--- a/TVCHH/TVCHH 004 - Lửa Phục Hưng.pptx
+++ b/TVCHH/TVCHH 004 - Lửa Phục Hưng.pptx
@@ -239,7 +239,7 @@
             <a:fld id="{51B797A4-149D-4736-992E-5D2C57EFC02D}" type="datetimeFigureOut">
               <a:rPr lang="en-US" smtClean="0"/>
               <a:pPr/>
-              <a:t>3/25/2013</a:t>
+              <a:t>9/15/19</a:t>
             </a:fld>
             <a:endParaRPr lang="en-US"/>
           </a:p>
@@ -405,7 +405,7 @@
           <a:p>
             <a:fld id="{74DF582B-7BA1-4B54-8782-47C8636605B3}" type="datetimeFigureOut">
               <a:rPr lang="en-US" smtClean="0"/>
-              <a:t>3/25/2013</a:t>
+              <a:t>9/15/19</a:t>
             </a:fld>
             <a:endParaRPr lang="en-US"/>
           </a:p>
@@ -469,38 +469,37 @@
           <a:p>
             <a:pPr lvl="0"/>
             <a:r>
-              <a:rPr lang="en-US" smtClean="0"/>
+              <a:rPr lang="en-US"/>
               <a:t>Click to edit Master text styles</a:t>
             </a:r>
           </a:p>
           <a:p>
             <a:pPr lvl="1"/>
             <a:r>
-              <a:rPr lang="en-US" smtClean="0"/>
+              <a:rPr lang="en-US"/>
               <a:t>Second level</a:t>
             </a:r>
           </a:p>
           <a:p>
             <a:pPr lvl="2"/>
             <a:r>
-              <a:rPr lang="en-US" smtClean="0"/>
+              <a:rPr lang="en-US"/>
               <a:t>Third level</a:t>
             </a:r>
           </a:p>
           <a:p>
             <a:pPr lvl="3"/>
             <a:r>
-              <a:rPr lang="en-US" smtClean="0"/>
+              <a:rPr lang="en-US"/>
               <a:t>Fourth level</a:t>
             </a:r>
           </a:p>
           <a:p>
             <a:pPr lvl="4"/>
             <a:r>
-              <a:rPr lang="en-US" smtClean="0"/>
+              <a:rPr lang="en-US"/>
               <a:t>Fifth level</a:t>
             </a:r>
-            <a:endParaRPr lang="en-US"/>
           </a:p>
         </p:txBody>
       </p:sp>
@@ -711,10 +710,9 @@
           <a:lstStyle/>
           <a:p>
             <a:r>
-              <a:rPr lang="en-US" smtClean="0"/>
+              <a:rPr lang="en-US"/>
               <a:t>Click to edit Master title style</a:t>
             </a:r>
-            <a:endParaRPr lang="en-US"/>
           </a:p>
         </p:txBody>
       </p:sp>
@@ -830,10 +828,9 @@
           </a:lstStyle>
           <a:p>
             <a:r>
-              <a:rPr lang="en-US" smtClean="0"/>
+              <a:rPr lang="en-US"/>
               <a:t>Click to edit Master subtitle style</a:t>
             </a:r>
-            <a:endParaRPr lang="en-US"/>
           </a:p>
         </p:txBody>
       </p:sp>
@@ -855,7 +852,7 @@
             <a:fld id="{F8010227-3148-49E6-ACB1-B952C053EF9E}" type="datetimeFigureOut">
               <a:rPr lang="en-US" smtClean="0"/>
               <a:pPr/>
-              <a:t>3/25/2013</a:t>
+              <a:t>9/15/19</a:t>
             </a:fld>
             <a:endParaRPr lang="en-US"/>
           </a:p>
@@ -978,10 +975,9 @@
           </a:lstStyle>
           <a:p>
             <a:r>
-              <a:rPr lang="en-US" smtClean="0"/>
+              <a:rPr lang="en-US"/>
               <a:t>Click to edit Master title style</a:t>
             </a:r>
-            <a:endParaRPr lang="en-US"/>
           </a:p>
         </p:txBody>
       </p:sp>
@@ -1105,7 +1101,7 @@
           <a:p>
             <a:pPr lvl="0"/>
             <a:r>
-              <a:rPr lang="en-US" smtClean="0"/>
+              <a:rPr lang="en-US"/>
               <a:t>Click to edit Master text styles</a:t>
             </a:r>
           </a:p>
@@ -1135,7 +1131,7 @@
                 </a:solidFill>
               </a:rPr>
               <a:pPr/>
-              <a:t>3/25/2013</a:t>
+              <a:t>9/15/19</a:t>
             </a:fld>
             <a:endParaRPr lang="en-US">
               <a:solidFill>
@@ -1254,10 +1250,9 @@
           <a:lstStyle/>
           <a:p>
             <a:r>
-              <a:rPr lang="en-US" smtClean="0"/>
+              <a:rPr lang="en-US"/>
               <a:t>Click to edit Master title style</a:t>
             </a:r>
-            <a:endParaRPr lang="en-US"/>
           </a:p>
         </p:txBody>
       </p:sp>
@@ -1278,38 +1273,37 @@
           <a:p>
             <a:pPr lvl="0"/>
             <a:r>
-              <a:rPr lang="en-US" smtClean="0"/>
+              <a:rPr lang="en-US"/>
               <a:t>Click to edit Master text styles</a:t>
             </a:r>
           </a:p>
           <a:p>
             <a:pPr lvl="1"/>
             <a:r>
-              <a:rPr lang="en-US" smtClean="0"/>
+              <a:rPr lang="en-US"/>
               <a:t>Second level</a:t>
             </a:r>
           </a:p>
           <a:p>
             <a:pPr lvl="2"/>
             <a:r>
-              <a:rPr lang="en-US" smtClean="0"/>
+              <a:rPr lang="en-US"/>
               <a:t>Third level</a:t>
             </a:r>
           </a:p>
           <a:p>
             <a:pPr lvl="3"/>
             <a:r>
-              <a:rPr lang="en-US" smtClean="0"/>
+              <a:rPr lang="en-US"/>
               <a:t>Fourth level</a:t>
             </a:r>
           </a:p>
           <a:p>
             <a:pPr lvl="4"/>
             <a:r>
-              <a:rPr lang="en-US" smtClean="0"/>
+              <a:rPr lang="en-US"/>
               <a:t>Fifth level</a:t>
             </a:r>
-            <a:endParaRPr lang="en-US"/>
           </a:p>
         </p:txBody>
       </p:sp>
@@ -1337,7 +1331,7 @@
                 </a:solidFill>
               </a:rPr>
               <a:pPr/>
-              <a:t>3/25/2013</a:t>
+              <a:t>9/15/19</a:t>
             </a:fld>
             <a:endParaRPr lang="en-US">
               <a:solidFill>
@@ -1461,10 +1455,9 @@
           <a:lstStyle/>
           <a:p>
             <a:r>
-              <a:rPr lang="en-US" smtClean="0"/>
+              <a:rPr lang="en-US"/>
               <a:t>Click to edit Master title style</a:t>
             </a:r>
-            <a:endParaRPr lang="en-US"/>
           </a:p>
         </p:txBody>
       </p:sp>
@@ -1490,38 +1483,37 @@
           <a:p>
             <a:pPr lvl="0"/>
             <a:r>
-              <a:rPr lang="en-US" smtClean="0"/>
+              <a:rPr lang="en-US"/>
               <a:t>Click to edit Master text styles</a:t>
             </a:r>
           </a:p>
           <a:p>
             <a:pPr lvl="1"/>
             <a:r>
-              <a:rPr lang="en-US" smtClean="0"/>
+              <a:rPr lang="en-US"/>
               <a:t>Second level</a:t>
             </a:r>
           </a:p>
           <a:p>
             <a:pPr lvl="2"/>
             <a:r>
-              <a:rPr lang="en-US" smtClean="0"/>
+              <a:rPr lang="en-US"/>
               <a:t>Third level</a:t>
             </a:r>
           </a:p>
           <a:p>
             <a:pPr lvl="3"/>
             <a:r>
-              <a:rPr lang="en-US" smtClean="0"/>
+              <a:rPr lang="en-US"/>
               <a:t>Fourth level</a:t>
             </a:r>
           </a:p>
           <a:p>
             <a:pPr lvl="4"/>
             <a:r>
-              <a:rPr lang="en-US" smtClean="0"/>
+              <a:rPr lang="en-US"/>
               <a:t>Fifth level</a:t>
             </a:r>
-            <a:endParaRPr lang="en-US"/>
           </a:p>
         </p:txBody>
       </p:sp>
@@ -1549,7 +1541,7 @@
                 </a:solidFill>
               </a:rPr>
               <a:pPr/>
-              <a:t>3/25/2013</a:t>
+              <a:t>9/15/19</a:t>
             </a:fld>
             <a:endParaRPr lang="en-US">
               <a:solidFill>
@@ -1673,10 +1665,9 @@
           <a:lstStyle/>
           <a:p>
             <a:r>
-              <a:rPr lang="en-US" smtClean="0"/>
+              <a:rPr lang="en-US"/>
               <a:t>Click to edit Master title style</a:t>
             </a:r>
-            <a:endParaRPr lang="en-US"/>
           </a:p>
         </p:txBody>
       </p:sp>
@@ -1792,10 +1783,9 @@
           </a:lstStyle>
           <a:p>
             <a:r>
-              <a:rPr lang="en-US" smtClean="0"/>
+              <a:rPr lang="en-US"/>
               <a:t>Click to edit Master subtitle style</a:t>
             </a:r>
-            <a:endParaRPr lang="en-US"/>
           </a:p>
         </p:txBody>
       </p:sp>
@@ -1823,7 +1813,7 @@
                 </a:solidFill>
               </a:rPr>
               <a:pPr/>
-              <a:t>3/25/2013</a:t>
+              <a:t>9/15/19</a:t>
             </a:fld>
             <a:endParaRPr lang="en-US">
               <a:solidFill>
@@ -1906,13 +1896,6 @@
   <p:clrMapOvr>
     <a:masterClrMapping/>
   </p:clrMapOvr>
-  <p:timing>
-    <p:tnLst>
-      <p:par>
-        <p:cTn id="1" dur="indefinite" restart="never" nodeType="tmRoot"/>
-      </p:par>
-    </p:tnLst>
-  </p:timing>
 </p:sldLayout>
 </file>
 
@@ -1949,10 +1932,9 @@
           <a:lstStyle/>
           <a:p>
             <a:r>
-              <a:rPr lang="en-US" smtClean="0"/>
+              <a:rPr lang="en-US"/>
               <a:t>Click to edit Master title style</a:t>
             </a:r>
-            <a:endParaRPr lang="en-US"/>
           </a:p>
         </p:txBody>
       </p:sp>
@@ -1973,38 +1955,37 @@
           <a:p>
             <a:pPr lvl="0"/>
             <a:r>
-              <a:rPr lang="en-US" smtClean="0"/>
+              <a:rPr lang="en-US"/>
               <a:t>Click to edit Master text styles</a:t>
             </a:r>
           </a:p>
           <a:p>
             <a:pPr lvl="1"/>
             <a:r>
-              <a:rPr lang="en-US" smtClean="0"/>
+              <a:rPr lang="en-US"/>
               <a:t>Second level</a:t>
             </a:r>
           </a:p>
           <a:p>
             <a:pPr lvl="2"/>
             <a:r>
-              <a:rPr lang="en-US" smtClean="0"/>
+              <a:rPr lang="en-US"/>
               <a:t>Third level</a:t>
             </a:r>
           </a:p>
           <a:p>
             <a:pPr lvl="3"/>
             <a:r>
-              <a:rPr lang="en-US" smtClean="0"/>
+              <a:rPr lang="en-US"/>
               <a:t>Fourth level</a:t>
             </a:r>
           </a:p>
           <a:p>
             <a:pPr lvl="4"/>
             <a:r>
-              <a:rPr lang="en-US" smtClean="0"/>
+              <a:rPr lang="en-US"/>
               <a:t>Fifth level</a:t>
             </a:r>
-            <a:endParaRPr lang="en-US"/>
           </a:p>
         </p:txBody>
       </p:sp>
@@ -2032,7 +2013,7 @@
                 </a:solidFill>
               </a:rPr>
               <a:pPr/>
-              <a:t>3/25/2013</a:t>
+              <a:t>9/15/19</a:t>
             </a:fld>
             <a:endParaRPr lang="en-US">
               <a:solidFill>
@@ -2160,10 +2141,9 @@
           </a:lstStyle>
           <a:p>
             <a:r>
-              <a:rPr lang="en-US" smtClean="0"/>
+              <a:rPr lang="en-US"/>
               <a:t>Click to edit Master title style</a:t>
             </a:r>
-            <a:endParaRPr lang="en-US"/>
           </a:p>
         </p:txBody>
       </p:sp>
@@ -2280,7 +2260,7 @@
           <a:p>
             <a:pPr lvl="0"/>
             <a:r>
-              <a:rPr lang="en-US" smtClean="0"/>
+              <a:rPr lang="en-US"/>
               <a:t>Click to edit Master text styles</a:t>
             </a:r>
           </a:p>
@@ -2310,7 +2290,7 @@
                 </a:solidFill>
               </a:rPr>
               <a:pPr/>
-              <a:t>3/25/2013</a:t>
+              <a:t>9/15/19</a:t>
             </a:fld>
             <a:endParaRPr lang="en-US">
               <a:solidFill>
@@ -2429,10 +2409,9 @@
           <a:lstStyle/>
           <a:p>
             <a:r>
-              <a:rPr lang="en-US" smtClean="0"/>
+              <a:rPr lang="en-US"/>
               <a:t>Click to edit Master title style</a:t>
             </a:r>
-            <a:endParaRPr lang="en-US"/>
           </a:p>
         </p:txBody>
       </p:sp>
@@ -2486,38 +2465,37 @@
           <a:p>
             <a:pPr lvl="0"/>
             <a:r>
-              <a:rPr lang="en-US" smtClean="0"/>
+              <a:rPr lang="en-US"/>
               <a:t>Click to edit Master text styles</a:t>
             </a:r>
           </a:p>
           <a:p>
             <a:pPr lvl="1"/>
             <a:r>
-              <a:rPr lang="en-US" smtClean="0"/>
+              <a:rPr lang="en-US"/>
               <a:t>Second level</a:t>
             </a:r>
           </a:p>
           <a:p>
             <a:pPr lvl="2"/>
             <a:r>
-              <a:rPr lang="en-US" smtClean="0"/>
+              <a:rPr lang="en-US"/>
               <a:t>Third level</a:t>
             </a:r>
           </a:p>
           <a:p>
             <a:pPr lvl="3"/>
             <a:r>
-              <a:rPr lang="en-US" smtClean="0"/>
+              <a:rPr lang="en-US"/>
               <a:t>Fourth level</a:t>
             </a:r>
           </a:p>
           <a:p>
             <a:pPr lvl="4"/>
             <a:r>
-              <a:rPr lang="en-US" smtClean="0"/>
+              <a:rPr lang="en-US"/>
               <a:t>Fifth level</a:t>
             </a:r>
-            <a:endParaRPr lang="en-US"/>
           </a:p>
         </p:txBody>
       </p:sp>
@@ -2571,38 +2549,37 @@
           <a:p>
             <a:pPr lvl="0"/>
             <a:r>
-              <a:rPr lang="en-US" smtClean="0"/>
+              <a:rPr lang="en-US"/>
               <a:t>Click to edit Master text styles</a:t>
             </a:r>
           </a:p>
           <a:p>
             <a:pPr lvl="1"/>
             <a:r>
-              <a:rPr lang="en-US" smtClean="0"/>
+              <a:rPr lang="en-US"/>
               <a:t>Second level</a:t>
             </a:r>
           </a:p>
           <a:p>
             <a:pPr lvl="2"/>
             <a:r>
-              <a:rPr lang="en-US" smtClean="0"/>
+              <a:rPr lang="en-US"/>
               <a:t>Third level</a:t>
             </a:r>
           </a:p>
           <a:p>
             <a:pPr lvl="3"/>
             <a:r>
-              <a:rPr lang="en-US" smtClean="0"/>
+              <a:rPr lang="en-US"/>
               <a:t>Fourth level</a:t>
             </a:r>
           </a:p>
           <a:p>
             <a:pPr lvl="4"/>
             <a:r>
-              <a:rPr lang="en-US" smtClean="0"/>
+              <a:rPr lang="en-US"/>
               <a:t>Fifth level</a:t>
             </a:r>
-            <a:endParaRPr lang="en-US"/>
           </a:p>
         </p:txBody>
       </p:sp>
@@ -2630,7 +2607,7 @@
                 </a:solidFill>
               </a:rPr>
               <a:pPr/>
-              <a:t>3/25/2013</a:t>
+              <a:t>9/15/19</a:t>
             </a:fld>
             <a:endParaRPr lang="en-US">
               <a:solidFill>
@@ -2753,10 +2730,9 @@
           </a:lstStyle>
           <a:p>
             <a:r>
-              <a:rPr lang="en-US" smtClean="0"/>
+              <a:rPr lang="en-US"/>
               <a:t>Click to edit Master title style</a:t>
             </a:r>
-            <a:endParaRPr lang="en-US"/>
           </a:p>
         </p:txBody>
       </p:sp>
@@ -2819,7 +2795,7 @@
           <a:p>
             <a:pPr lvl="0"/>
             <a:r>
-              <a:rPr lang="en-US" smtClean="0"/>
+              <a:rPr lang="en-US"/>
               <a:t>Click to edit Master text styles</a:t>
             </a:r>
           </a:p>
@@ -2875,38 +2851,37 @@
           <a:p>
             <a:pPr lvl="0"/>
             <a:r>
-              <a:rPr lang="en-US" smtClean="0"/>
+              <a:rPr lang="en-US"/>
               <a:t>Click to edit Master text styles</a:t>
             </a:r>
           </a:p>
           <a:p>
             <a:pPr lvl="1"/>
             <a:r>
-              <a:rPr lang="en-US" smtClean="0"/>
+              <a:rPr lang="en-US"/>
               <a:t>Second level</a:t>
             </a:r>
           </a:p>
           <a:p>
             <a:pPr lvl="2"/>
             <a:r>
-              <a:rPr lang="en-US" smtClean="0"/>
+              <a:rPr lang="en-US"/>
               <a:t>Third level</a:t>
             </a:r>
           </a:p>
           <a:p>
             <a:pPr lvl="3"/>
             <a:r>
-              <a:rPr lang="en-US" smtClean="0"/>
+              <a:rPr lang="en-US"/>
               <a:t>Fourth level</a:t>
             </a:r>
           </a:p>
           <a:p>
             <a:pPr lvl="4"/>
             <a:r>
-              <a:rPr lang="en-US" smtClean="0"/>
+              <a:rPr lang="en-US"/>
               <a:t>Fifth level</a:t>
             </a:r>
-            <a:endParaRPr lang="en-US"/>
           </a:p>
         </p:txBody>
       </p:sp>
@@ -2969,7 +2944,7 @@
           <a:p>
             <a:pPr lvl="0"/>
             <a:r>
-              <a:rPr lang="en-US" smtClean="0"/>
+              <a:rPr lang="en-US"/>
               <a:t>Click to edit Master text styles</a:t>
             </a:r>
           </a:p>
@@ -3025,38 +3000,37 @@
           <a:p>
             <a:pPr lvl="0"/>
             <a:r>
-              <a:rPr lang="en-US" smtClean="0"/>
+              <a:rPr lang="en-US"/>
               <a:t>Click to edit Master text styles</a:t>
             </a:r>
           </a:p>
           <a:p>
             <a:pPr lvl="1"/>
             <a:r>
-              <a:rPr lang="en-US" smtClean="0"/>
+              <a:rPr lang="en-US"/>
               <a:t>Second level</a:t>
             </a:r>
           </a:p>
           <a:p>
             <a:pPr lvl="2"/>
             <a:r>
-              <a:rPr lang="en-US" smtClean="0"/>
+              <a:rPr lang="en-US"/>
               <a:t>Third level</a:t>
             </a:r>
           </a:p>
           <a:p>
             <a:pPr lvl="3"/>
             <a:r>
-              <a:rPr lang="en-US" smtClean="0"/>
+              <a:rPr lang="en-US"/>
               <a:t>Fourth level</a:t>
             </a:r>
           </a:p>
           <a:p>
             <a:pPr lvl="4"/>
             <a:r>
-              <a:rPr lang="en-US" smtClean="0"/>
+              <a:rPr lang="en-US"/>
               <a:t>Fifth level</a:t>
             </a:r>
-            <a:endParaRPr lang="en-US"/>
           </a:p>
         </p:txBody>
       </p:sp>
@@ -3084,7 +3058,7 @@
                 </a:solidFill>
               </a:rPr>
               <a:pPr/>
-              <a:t>3/25/2013</a:t>
+              <a:t>9/15/19</a:t>
             </a:fld>
             <a:endParaRPr lang="en-US">
               <a:solidFill>
@@ -3203,10 +3177,9 @@
           <a:lstStyle/>
           <a:p>
             <a:r>
-              <a:rPr lang="en-US" smtClean="0"/>
+              <a:rPr lang="en-US"/>
               <a:t>Click to edit Master title style</a:t>
             </a:r>
-            <a:endParaRPr lang="en-US"/>
           </a:p>
         </p:txBody>
       </p:sp>
@@ -3234,7 +3207,7 @@
                 </a:solidFill>
               </a:rPr>
               <a:pPr/>
-              <a:t>3/25/2013</a:t>
+              <a:t>9/15/19</a:t>
             </a:fld>
             <a:endParaRPr lang="en-US">
               <a:solidFill>
@@ -3361,7 +3334,7 @@
                 </a:solidFill>
               </a:rPr>
               <a:pPr/>
-              <a:t>3/25/2013</a:t>
+              <a:t>9/15/19</a:t>
             </a:fld>
             <a:endParaRPr lang="en-US">
               <a:solidFill>
@@ -3489,10 +3462,9 @@
           </a:lstStyle>
           <a:p>
             <a:r>
-              <a:rPr lang="en-US" smtClean="0"/>
+              <a:rPr lang="en-US"/>
               <a:t>Click to edit Master title style</a:t>
             </a:r>
-            <a:endParaRPr lang="en-US"/>
           </a:p>
         </p:txBody>
       </p:sp>
@@ -3546,38 +3518,37 @@
           <a:p>
             <a:pPr lvl="0"/>
             <a:r>
-              <a:rPr lang="en-US" smtClean="0"/>
+              <a:rPr lang="en-US"/>
               <a:t>Click to edit Master text styles</a:t>
             </a:r>
           </a:p>
           <a:p>
             <a:pPr lvl="1"/>
             <a:r>
-              <a:rPr lang="en-US" smtClean="0"/>
+              <a:rPr lang="en-US"/>
               <a:t>Second level</a:t>
             </a:r>
           </a:p>
           <a:p>
             <a:pPr lvl="2"/>
             <a:r>
-              <a:rPr lang="en-US" smtClean="0"/>
+              <a:rPr lang="en-US"/>
               <a:t>Third level</a:t>
             </a:r>
           </a:p>
           <a:p>
             <a:pPr lvl="3"/>
             <a:r>
-              <a:rPr lang="en-US" smtClean="0"/>
+              <a:rPr lang="en-US"/>
               <a:t>Fourth level</a:t>
             </a:r>
           </a:p>
           <a:p>
             <a:pPr lvl="4"/>
             <a:r>
-              <a:rPr lang="en-US" smtClean="0"/>
+              <a:rPr lang="en-US"/>
               <a:t>Fifth level</a:t>
             </a:r>
-            <a:endParaRPr lang="en-US"/>
           </a:p>
         </p:txBody>
       </p:sp>
@@ -3640,7 +3611,7 @@
           <a:p>
             <a:pPr lvl="0"/>
             <a:r>
-              <a:rPr lang="en-US" smtClean="0"/>
+              <a:rPr lang="en-US"/>
               <a:t>Click to edit Master text styles</a:t>
             </a:r>
           </a:p>
@@ -3670,7 +3641,7 @@
                 </a:solidFill>
               </a:rPr>
               <a:pPr/>
-              <a:t>3/25/2013</a:t>
+              <a:t>9/15/19</a:t>
             </a:fld>
             <a:endParaRPr lang="en-US">
               <a:solidFill>
@@ -3811,10 +3782,9 @@
           <a:lstStyle/>
           <a:p>
             <a:r>
-              <a:rPr lang="en-US" smtClean="0"/>
+              <a:rPr lang="en-US"/>
               <a:t>Click to edit Master title style</a:t>
             </a:r>
-            <a:endParaRPr lang="en-US"/>
           </a:p>
         </p:txBody>
       </p:sp>
@@ -3845,38 +3815,37 @@
           <a:p>
             <a:pPr lvl="0"/>
             <a:r>
-              <a:rPr lang="en-US" smtClean="0"/>
+              <a:rPr lang="en-US"/>
               <a:t>Click to edit Master text styles</a:t>
             </a:r>
           </a:p>
           <a:p>
             <a:pPr lvl="1"/>
             <a:r>
-              <a:rPr lang="en-US" smtClean="0"/>
+              <a:rPr lang="en-US"/>
               <a:t>Second level</a:t>
             </a:r>
           </a:p>
           <a:p>
             <a:pPr lvl="2"/>
             <a:r>
-              <a:rPr lang="en-US" smtClean="0"/>
+              <a:rPr lang="en-US"/>
               <a:t>Third level</a:t>
             </a:r>
           </a:p>
           <a:p>
             <a:pPr lvl="3"/>
             <a:r>
-              <a:rPr lang="en-US" smtClean="0"/>
+              <a:rPr lang="en-US"/>
               <a:t>Fourth level</a:t>
             </a:r>
           </a:p>
           <a:p>
             <a:pPr lvl="4"/>
             <a:r>
-              <a:rPr lang="en-US" smtClean="0"/>
+              <a:rPr lang="en-US"/>
               <a:t>Fifth level</a:t>
             </a:r>
-            <a:endParaRPr lang="en-US"/>
           </a:p>
         </p:txBody>
       </p:sp>
@@ -3916,7 +3885,7 @@
             <a:fld id="{F8010227-3148-49E6-ACB1-B952C053EF9E}" type="datetimeFigureOut">
               <a:rPr lang="en-US" smtClean="0"/>
               <a:pPr/>
-              <a:t>3/25/2013</a:t>
+              <a:t>9/15/19</a:t>
             </a:fld>
             <a:endParaRPr lang="en-US"/>
           </a:p>
@@ -4007,13 +3976,6 @@
   <p:sldLayoutIdLst>
     <p:sldLayoutId id="2147483651" r:id="rId1"/>
   </p:sldLayoutIdLst>
-  <p:timing>
-    <p:tnLst>
-      <p:par>
-        <p:cTn id="1" dur="indefinite" restart="never" nodeType="tmRoot"/>
-      </p:par>
-    </p:tnLst>
-  </p:timing>
   <p:txStyles>
     <p:titleStyle>
       <a:lvl1pPr algn="ctr" defTabSz="914400" rtl="0" eaLnBrk="1" latinLnBrk="0" hangingPunct="1">
@@ -4315,10 +4277,9 @@
           <a:lstStyle/>
           <a:p>
             <a:r>
-              <a:rPr lang="en-US" smtClean="0"/>
+              <a:rPr lang="en-US"/>
               <a:t>Click to edit Master title style</a:t>
             </a:r>
-            <a:endParaRPr lang="en-US"/>
           </a:p>
         </p:txBody>
       </p:sp>
@@ -4349,38 +4310,37 @@
           <a:p>
             <a:pPr lvl="0"/>
             <a:r>
-              <a:rPr lang="en-US" smtClean="0"/>
+              <a:rPr lang="en-US"/>
               <a:t>Click to edit Master text styles</a:t>
             </a:r>
           </a:p>
           <a:p>
             <a:pPr lvl="1"/>
             <a:r>
-              <a:rPr lang="en-US" smtClean="0"/>
+              <a:rPr lang="en-US"/>
               <a:t>Second level</a:t>
             </a:r>
           </a:p>
           <a:p>
             <a:pPr lvl="2"/>
             <a:r>
-              <a:rPr lang="en-US" smtClean="0"/>
+              <a:rPr lang="en-US"/>
               <a:t>Third level</a:t>
             </a:r>
           </a:p>
           <a:p>
             <a:pPr lvl="3"/>
             <a:r>
-              <a:rPr lang="en-US" smtClean="0"/>
+              <a:rPr lang="en-US"/>
               <a:t>Fourth level</a:t>
             </a:r>
           </a:p>
           <a:p>
             <a:pPr lvl="4"/>
             <a:r>
-              <a:rPr lang="en-US" smtClean="0"/>
+              <a:rPr lang="en-US"/>
               <a:t>Fifth level</a:t>
             </a:r>
-            <a:endParaRPr lang="en-US"/>
           </a:p>
         </p:txBody>
       </p:sp>
@@ -4426,7 +4386,7 @@
                 </a:solidFill>
               </a:rPr>
               <a:pPr/>
-              <a:t>3/25/2013</a:t>
+              <a:t>9/15/19</a:t>
             </a:fld>
             <a:endParaRPr lang="en-US">
               <a:solidFill>
@@ -4907,7 +4867,7 @@
               <a:defRPr/>
             </a:pPr>
             <a:r>
-              <a:rPr lang="en-US" sz="8000" b="1" spc="50" dirty="0" smtClean="0">
+              <a:rPr lang="en-US" sz="8000" b="1" spc="50" dirty="0">
                 <a:ln w="11430"/>
                 <a:gradFill>
                   <a:gsLst>
@@ -4932,7 +4892,7 @@
                     </a:srgbClr>
                   </a:outerShdw>
                 </a:effectLst>
-                <a:latin typeface="HP-Friz-Heavy" pitchFamily="34" charset="0"/>
+                <a:latin typeface="VNI-Times Normal" pitchFamily="2" charset="0"/>
               </a:rPr>
               <a:t>LÖÛA PHUÏC HÖNG</a:t>
             </a:r>
@@ -4963,14 +4923,11 @@
           <a:p>
             <a:pPr algn="l"/>
             <a:r>
-              <a:rPr lang="en-US" sz="3600" dirty="0" smtClean="0">
-                <a:latin typeface="HP-Friz-Heavy" pitchFamily="34" charset="0"/>
+              <a:rPr lang="en-US" sz="3600" dirty="0">
+                <a:latin typeface="VNI-Times Normal" pitchFamily="2" charset="0"/>
               </a:rPr>
               <a:t>TOÂN VINH CHUÙA – BIEÄT THAÙNH CA</a:t>
             </a:r>
-            <a:endParaRPr lang="en-US" sz="3600" dirty="0">
-              <a:latin typeface="HP-Friz-Heavy" pitchFamily="34" charset="0"/>
-            </a:endParaRPr>
           </a:p>
         </p:txBody>
       </p:sp>
@@ -5056,13 +5013,6 @@
       </p:transition>
     </mc:Fallback>
   </mc:AlternateContent>
-  <p:timing>
-    <p:tnLst>
-      <p:par>
-        <p:cTn id="1" dur="indefinite" restart="never" nodeType="tmRoot"/>
-      </p:par>
-    </p:tnLst>
-  </p:timing>
 </p:sld>
 </file>
 
@@ -5140,28 +5090,54 @@
                 </a:solidFill>
                 <a:latin typeface="VNI-Aptima" pitchFamily="2" charset="0"/>
               </a:rPr>
+              <a:t> thaân </a:t>
+            </a:r>
+            <a:r>
+              <a:rPr lang="en-US" sz="6600" b="1" err="1">
+                <a:solidFill>
+                  <a:prstClr val="black"/>
+                </a:solidFill>
+                <a:latin typeface="VNI-Aptima" pitchFamily="2" charset="0"/>
+              </a:rPr>
+              <a:t>linh</a:t>
+            </a:r>
+            <a:r>
+              <a:rPr lang="en-US" sz="6600" b="1">
+                <a:solidFill>
+                  <a:prstClr val="black"/>
+                </a:solidFill>
+                <a:latin typeface="VNI-Aptima" pitchFamily="2" charset="0"/>
+              </a:rPr>
               <a:t> </a:t>
             </a:r>
-            <a:r>
-              <a:rPr lang="en-US" sz="6600" b="1" smtClean="0">
-                <a:solidFill>
-                  <a:prstClr val="black"/>
-                </a:solidFill>
-                <a:latin typeface="VNI-Aptima" pitchFamily="2" charset="0"/>
-              </a:rPr>
-              <a:t>thaân </a:t>
-            </a:r>
-            <a:r>
-              <a:rPr lang="en-US" sz="6600" b="1" err="1" smtClean="0">
-                <a:solidFill>
-                  <a:prstClr val="black"/>
-                </a:solidFill>
-                <a:latin typeface="VNI-Aptima" pitchFamily="2" charset="0"/>
-              </a:rPr>
-              <a:t>linh</a:t>
-            </a:r>
-            <a:r>
-              <a:rPr lang="en-US" sz="6600" b="1" smtClean="0">
+            <a:br>
+              <a:rPr lang="en-US" sz="6600" b="1">
+                <a:solidFill>
+                  <a:prstClr val="black"/>
+                </a:solidFill>
+                <a:latin typeface="VNI-Aptima" pitchFamily="2" charset="0"/>
+              </a:rPr>
+            </a:br>
+            <a:r>
+              <a:rPr lang="en-US" sz="6600" b="1">
+                <a:solidFill>
+                  <a:prstClr val="black"/>
+                </a:solidFill>
+                <a:latin typeface="VNI-Aptima" pitchFamily="2" charset="0"/>
+              </a:rPr>
+              <a:t>naøy, con </a:t>
+            </a:r>
+            <a:r>
+              <a:rPr lang="en-US" sz="6600" b="1" err="1">
+                <a:solidFill>
+                  <a:prstClr val="black"/>
+                </a:solidFill>
+                <a:latin typeface="VNI-Aptima" pitchFamily="2" charset="0"/>
+              </a:rPr>
+              <a:t>daâng</a:t>
+            </a:r>
+            <a:r>
+              <a:rPr lang="en-US" sz="6600" b="1">
                 <a:solidFill>
                   <a:prstClr val="black"/>
                 </a:solidFill>
@@ -5170,7 +5146,7 @@
               <a:t> </a:t>
             </a:r>
             <a:br>
-              <a:rPr lang="en-US" sz="6600" b="1" smtClean="0">
+              <a:rPr lang="en-US" sz="6600" b="1">
                 <a:solidFill>
                   <a:prstClr val="black"/>
                 </a:solidFill>
@@ -5178,69 +5154,7 @@
               </a:rPr>
             </a:br>
             <a:r>
-              <a:rPr lang="en-US" sz="6600" b="1" smtClean="0">
-                <a:solidFill>
-                  <a:prstClr val="black"/>
-                </a:solidFill>
-                <a:latin typeface="VNI-Aptima" pitchFamily="2" charset="0"/>
-              </a:rPr>
-              <a:t>naøy</a:t>
-            </a:r>
-            <a:r>
               <a:rPr lang="en-US" sz="6600" b="1">
-                <a:solidFill>
-                  <a:prstClr val="black"/>
-                </a:solidFill>
-                <a:latin typeface="VNI-Aptima" pitchFamily="2" charset="0"/>
-              </a:rPr>
-              <a:t>, </a:t>
-            </a:r>
-            <a:r>
-              <a:rPr lang="en-US" sz="6600" b="1" smtClean="0">
-                <a:solidFill>
-                  <a:prstClr val="black"/>
-                </a:solidFill>
-                <a:latin typeface="VNI-Aptima" pitchFamily="2" charset="0"/>
-              </a:rPr>
-              <a:t>con </a:t>
-            </a:r>
-            <a:r>
-              <a:rPr lang="en-US" sz="6600" b="1" err="1">
-                <a:solidFill>
-                  <a:prstClr val="black"/>
-                </a:solidFill>
-                <a:latin typeface="VNI-Aptima" pitchFamily="2" charset="0"/>
-              </a:rPr>
-              <a:t>daâng</a:t>
-            </a:r>
-            <a:r>
-              <a:rPr lang="en-US" sz="6600" b="1">
-                <a:solidFill>
-                  <a:prstClr val="black"/>
-                </a:solidFill>
-                <a:latin typeface="VNI-Aptima" pitchFamily="2" charset="0"/>
-              </a:rPr>
-              <a:t> </a:t>
-            </a:r>
-            <a:r>
-              <a:rPr lang="en-US" sz="6600" b="1" smtClean="0">
-                <a:solidFill>
-                  <a:prstClr val="black"/>
-                </a:solidFill>
-                <a:latin typeface="VNI-Aptima" pitchFamily="2" charset="0"/>
-              </a:rPr>
-              <a:t/>
-            </a:r>
-            <a:br>
-              <a:rPr lang="en-US" sz="6600" b="1" smtClean="0">
-                <a:solidFill>
-                  <a:prstClr val="black"/>
-                </a:solidFill>
-                <a:latin typeface="VNI-Aptima" pitchFamily="2" charset="0"/>
-              </a:rPr>
-            </a:br>
-            <a:r>
-              <a:rPr lang="en-US" sz="6600" b="1" smtClean="0">
                 <a:solidFill>
                   <a:prstClr val="black"/>
                 </a:solidFill>
@@ -5304,7 +5218,7 @@
               <a:defRPr/>
             </a:pPr>
             <a:r>
-              <a:rPr lang="en-US" sz="3000" b="1" spc="50" dirty="0" smtClean="0">
+              <a:rPr lang="en-US" sz="3000" spc="50" dirty="0">
                 <a:ln w="11430"/>
                 <a:gradFill>
                   <a:gsLst>
@@ -5329,12 +5243,12 @@
                     </a:srgbClr>
                   </a:outerShdw>
                 </a:effectLst>
-                <a:latin typeface="HP-Friz-Heavy" pitchFamily="34" charset="0"/>
+                <a:latin typeface="VNI-Times Normal" pitchFamily="2" charset="0"/>
               </a:rPr>
               <a:t>BIEÄT THAÙNH CA – </a:t>
             </a:r>
             <a:r>
-              <a:rPr lang="en-US" sz="3600" b="1" spc="50" dirty="0" smtClean="0">
+              <a:rPr lang="en-US" sz="3600" spc="50" dirty="0">
                 <a:ln w="11430"/>
                 <a:gradFill>
                   <a:gsLst>
@@ -5359,7 +5273,7 @@
                     </a:srgbClr>
                   </a:outerShdw>
                 </a:effectLst>
-                <a:latin typeface="HP-Friz-Heavy" pitchFamily="34" charset="0"/>
+                <a:latin typeface="VNI-Times Normal" pitchFamily="2" charset="0"/>
               </a:rPr>
               <a:t>LÖÛA PHUÏC HÖNG</a:t>
             </a:r>
@@ -5407,13 +5321,6 @@
     <a:masterClrMapping/>
   </p:clrMapOvr>
   <p:transition spd="slow"/>
-  <p:timing>
-    <p:tnLst>
-      <p:par>
-        <p:cTn id="1" dur="indefinite" restart="never" nodeType="tmRoot"/>
-      </p:par>
-    </p:tnLst>
-  </p:timing>
 </p:sld>
 </file>
 
@@ -5511,17 +5418,8 @@
               </a:rPr>
               <a:t> </a:t>
             </a:r>
-            <a:r>
-              <a:rPr lang="en-US" sz="6600" b="1" dirty="0" smtClean="0">
-                <a:solidFill>
-                  <a:prstClr val="black"/>
-                </a:solidFill>
-                <a:latin typeface="VNI-Aptima" pitchFamily="2" charset="0"/>
-              </a:rPr>
-              <a:t/>
-            </a:r>
             <a:br>
-              <a:rPr lang="en-US" sz="6600" b="1" dirty="0" smtClean="0">
+              <a:rPr lang="en-US" sz="6600" b="1" dirty="0">
                 <a:solidFill>
                   <a:prstClr val="black"/>
                 </a:solidFill>
@@ -5529,7 +5427,7 @@
               </a:rPr>
             </a:br>
             <a:r>
-              <a:rPr lang="en-US" sz="6600" b="1" err="1" smtClean="0">
+              <a:rPr lang="en-US" sz="6600" b="1" err="1">
                 <a:solidFill>
                   <a:prstClr val="black"/>
                 </a:solidFill>
@@ -5538,7 +5436,7 @@
               <a:t>mong</a:t>
             </a:r>
             <a:r>
-              <a:rPr lang="en-US" sz="6600" b="1" smtClean="0">
+              <a:rPr lang="en-US" sz="6600" b="1">
                 <a:solidFill>
                   <a:prstClr val="black"/>
                 </a:solidFill>
@@ -5547,7 +5445,7 @@
               <a:t> chôø, loøng </a:t>
             </a:r>
             <a:br>
-              <a:rPr lang="en-US" sz="6600" b="1" smtClean="0">
+              <a:rPr lang="en-US" sz="6600" b="1">
                 <a:solidFill>
                   <a:prstClr val="black"/>
                 </a:solidFill>
@@ -5555,7 +5453,7 @@
               </a:rPr>
             </a:br>
             <a:r>
-              <a:rPr lang="en-US" sz="6600" b="1" smtClean="0">
+              <a:rPr lang="en-US" sz="6600" b="1">
                 <a:solidFill>
                   <a:prstClr val="black"/>
                 </a:solidFill>
@@ -5646,7 +5544,7 @@
               <a:defRPr/>
             </a:pPr>
             <a:r>
-              <a:rPr lang="en-US" sz="3000" b="1" spc="50" dirty="0" smtClean="0">
+              <a:rPr lang="en-US" sz="3000" spc="50" dirty="0">
                 <a:ln w="11430"/>
                 <a:gradFill>
                   <a:gsLst>
@@ -5671,12 +5569,12 @@
                     </a:srgbClr>
                   </a:outerShdw>
                 </a:effectLst>
-                <a:latin typeface="HP-Friz-Heavy" pitchFamily="34" charset="0"/>
+                <a:latin typeface="VNI-Times Normal" pitchFamily="2" charset="0"/>
               </a:rPr>
               <a:t>BIEÄT THAÙNH CA – </a:t>
             </a:r>
             <a:r>
-              <a:rPr lang="en-US" sz="3600" b="1" spc="50" dirty="0" smtClean="0">
+              <a:rPr lang="en-US" sz="3600" spc="50" dirty="0">
                 <a:ln w="11430"/>
                 <a:gradFill>
                   <a:gsLst>
@@ -5701,7 +5599,7 @@
                     </a:srgbClr>
                   </a:outerShdw>
                 </a:effectLst>
-                <a:latin typeface="HP-Friz-Heavy" pitchFamily="34" charset="0"/>
+                <a:latin typeface="VNI-Times Normal" pitchFamily="2" charset="0"/>
               </a:rPr>
               <a:t>LÖÛA PHUÏC HÖNG</a:t>
             </a:r>
@@ -5749,13 +5647,6 @@
     <a:masterClrMapping/>
   </p:clrMapOvr>
   <p:transition spd="slow"/>
-  <p:timing>
-    <p:tnLst>
-      <p:par>
-        <p:cTn id="1" dur="indefinite" restart="never" nodeType="tmRoot"/>
-      </p:par>
-    </p:tnLst>
-  </p:timing>
 </p:sld>
 </file>
 
@@ -5905,16 +5796,43 @@
                 </a:solidFill>
                 <a:latin typeface="VNI-Aptima" pitchFamily="2" charset="0"/>
               </a:rPr>
+              <a:t> ban </a:t>
+            </a:r>
+            <a:r>
+              <a:rPr lang="en-US" sz="6600" b="1" dirty="0" err="1">
+                <a:solidFill>
+                  <a:prstClr val="black"/>
+                </a:solidFill>
+                <a:latin typeface="VNI-Aptima" pitchFamily="2" charset="0"/>
+              </a:rPr>
+              <a:t>löûa</a:t>
+            </a:r>
+            <a:r>
+              <a:rPr lang="en-US" sz="6600" b="1" dirty="0">
+                <a:solidFill>
+                  <a:prstClr val="black"/>
+                </a:solidFill>
+                <a:latin typeface="VNI-Aptima" pitchFamily="2" charset="0"/>
+              </a:rPr>
               <a:t> </a:t>
             </a:r>
             <a:r>
-              <a:rPr lang="en-US" sz="6600" b="1" smtClean="0">
-                <a:solidFill>
-                  <a:prstClr val="black"/>
-                </a:solidFill>
-                <a:latin typeface="VNI-Aptima" pitchFamily="2" charset="0"/>
-              </a:rPr>
-              <a:t>ban </a:t>
+              <a:rPr lang="en-US" sz="6600" b="1" err="1">
+                <a:solidFill>
+                  <a:prstClr val="black"/>
+                </a:solidFill>
+                <a:latin typeface="VNI-Aptima" pitchFamily="2" charset="0"/>
+              </a:rPr>
+              <a:t>thieâng</a:t>
+            </a:r>
+            <a:r>
+              <a:rPr lang="en-US" sz="6600" b="1">
+                <a:solidFill>
+                  <a:prstClr val="black"/>
+                </a:solidFill>
+                <a:latin typeface="VNI-Aptima" pitchFamily="2" charset="0"/>
+              </a:rPr>
+              <a:t> thieâu </a:t>
             </a:r>
             <a:r>
               <a:rPr lang="en-US" sz="6600" b="1" dirty="0" err="1">
@@ -5923,7 +5841,7 @@
                 </a:solidFill>
                 <a:latin typeface="VNI-Aptima" pitchFamily="2" charset="0"/>
               </a:rPr>
-              <a:t>löûa</a:t>
+              <a:t>ñoát</a:t>
             </a:r>
             <a:r>
               <a:rPr lang="en-US" sz="6600" b="1" dirty="0">
@@ -5934,6 +5852,45 @@
               </a:rPr>
               <a:t> </a:t>
             </a:r>
+          </a:p>
+          <a:p>
+            <a:pPr algn="ctr"/>
+            <a:r>
+              <a:rPr lang="en-US" sz="6600" b="1" dirty="0" err="1">
+                <a:solidFill>
+                  <a:prstClr val="black"/>
+                </a:solidFill>
+                <a:latin typeface="VNI-Aptima" pitchFamily="2" charset="0"/>
+              </a:rPr>
+              <a:t>caû</a:t>
+            </a:r>
+            <a:r>
+              <a:rPr lang="en-US" sz="6600" b="1" dirty="0">
+                <a:solidFill>
+                  <a:prstClr val="black"/>
+                </a:solidFill>
+                <a:latin typeface="VNI-Aptima" pitchFamily="2" charset="0"/>
+              </a:rPr>
+              <a:t> </a:t>
+            </a:r>
+            <a:r>
+              <a:rPr lang="en-US" sz="6600" b="1" dirty="0" err="1">
+                <a:solidFill>
+                  <a:prstClr val="black"/>
+                </a:solidFill>
+                <a:latin typeface="VNI-Aptima" pitchFamily="2" charset="0"/>
+              </a:rPr>
+              <a:t>hoàn</a:t>
+            </a:r>
+            <a:r>
+              <a:rPr lang="en-US" sz="6600" b="1" dirty="0">
+                <a:solidFill>
+                  <a:prstClr val="black"/>
+                </a:solidFill>
+                <a:latin typeface="VNI-Aptima" pitchFamily="2" charset="0"/>
+              </a:rPr>
+              <a:t> </a:t>
+            </a:r>
             <a:r>
               <a:rPr lang="en-US" sz="6600" b="1" err="1">
                 <a:solidFill>
@@ -5941,7 +5898,7 @@
                 </a:solidFill>
                 <a:latin typeface="VNI-Aptima" pitchFamily="2" charset="0"/>
               </a:rPr>
-              <a:t>thieâng</a:t>
+              <a:t>linh</a:t>
             </a:r>
             <a:r>
               <a:rPr lang="en-US" sz="6600" b="1">
@@ -5950,106 +5907,7 @@
                 </a:solidFill>
                 <a:latin typeface="VNI-Aptima" pitchFamily="2" charset="0"/>
               </a:rPr>
-              <a:t> </a:t>
-            </a:r>
-            <a:r>
-              <a:rPr lang="en-US" sz="6600" b="1" smtClean="0">
-                <a:solidFill>
-                  <a:prstClr val="black"/>
-                </a:solidFill>
-                <a:latin typeface="VNI-Aptima" pitchFamily="2" charset="0"/>
-              </a:rPr>
-              <a:t>thieâu </a:t>
-            </a:r>
-            <a:r>
-              <a:rPr lang="en-US" sz="6600" b="1" dirty="0" err="1">
-                <a:solidFill>
-                  <a:prstClr val="black"/>
-                </a:solidFill>
-                <a:latin typeface="VNI-Aptima" pitchFamily="2" charset="0"/>
-              </a:rPr>
-              <a:t>ñoát</a:t>
-            </a:r>
-            <a:r>
-              <a:rPr lang="en-US" sz="6600" b="1" dirty="0">
-                <a:solidFill>
-                  <a:prstClr val="black"/>
-                </a:solidFill>
-                <a:latin typeface="VNI-Aptima" pitchFamily="2" charset="0"/>
-              </a:rPr>
-              <a:t> </a:t>
-            </a:r>
-            <a:endParaRPr lang="en-US" sz="6600" b="1" dirty="0" smtClean="0">
-              <a:solidFill>
-                <a:prstClr val="black"/>
-              </a:solidFill>
-              <a:latin typeface="VNI-Aptima" pitchFamily="2" charset="0"/>
-            </a:endParaRPr>
-          </a:p>
-          <a:p>
-            <a:pPr algn="ctr"/>
-            <a:r>
-              <a:rPr lang="en-US" sz="6600" b="1" dirty="0" err="1" smtClean="0">
-                <a:solidFill>
-                  <a:prstClr val="black"/>
-                </a:solidFill>
-                <a:latin typeface="VNI-Aptima" pitchFamily="2" charset="0"/>
-              </a:rPr>
-              <a:t>caû</a:t>
-            </a:r>
-            <a:r>
-              <a:rPr lang="en-US" sz="6600" b="1" dirty="0" smtClean="0">
-                <a:solidFill>
-                  <a:prstClr val="black"/>
-                </a:solidFill>
-                <a:latin typeface="VNI-Aptima" pitchFamily="2" charset="0"/>
-              </a:rPr>
-              <a:t> </a:t>
-            </a:r>
-            <a:r>
-              <a:rPr lang="en-US" sz="6600" b="1" dirty="0" err="1">
-                <a:solidFill>
-                  <a:prstClr val="black"/>
-                </a:solidFill>
-                <a:latin typeface="VNI-Aptima" pitchFamily="2" charset="0"/>
-              </a:rPr>
-              <a:t>hoàn</a:t>
-            </a:r>
-            <a:r>
-              <a:rPr lang="en-US" sz="6600" b="1" dirty="0">
-                <a:solidFill>
-                  <a:prstClr val="black"/>
-                </a:solidFill>
-                <a:latin typeface="VNI-Aptima" pitchFamily="2" charset="0"/>
-              </a:rPr>
-              <a:t> </a:t>
-            </a:r>
-            <a:r>
-              <a:rPr lang="en-US" sz="6600" b="1" err="1">
-                <a:solidFill>
-                  <a:prstClr val="black"/>
-                </a:solidFill>
-                <a:latin typeface="VNI-Aptima" pitchFamily="2" charset="0"/>
-              </a:rPr>
-              <a:t>linh</a:t>
-            </a:r>
-            <a:r>
-              <a:rPr lang="en-US" sz="6600" b="1">
-                <a:solidFill>
-                  <a:prstClr val="black"/>
-                </a:solidFill>
-                <a:latin typeface="VNI-Aptima" pitchFamily="2" charset="0"/>
-              </a:rPr>
-              <a:t> </a:t>
-            </a:r>
-            <a:r>
-              <a:rPr lang="en-US" sz="6600" b="1" smtClean="0">
-                <a:solidFill>
-                  <a:prstClr val="black"/>
-                </a:solidFill>
-                <a:latin typeface="VNI-Aptima" pitchFamily="2" charset="0"/>
-              </a:rPr>
-              <a:t>con.</a:t>
+              <a:t> con.</a:t>
             </a:r>
             <a:endParaRPr lang="en-US" sz="6600" b="1" dirty="0">
               <a:solidFill>
@@ -6104,7 +5962,7 @@
               <a:defRPr/>
             </a:pPr>
             <a:r>
-              <a:rPr lang="en-US" sz="3000" b="1" spc="50" dirty="0" smtClean="0">
+              <a:rPr lang="en-US" sz="3000" spc="50" dirty="0">
                 <a:ln w="11430"/>
                 <a:gradFill>
                   <a:gsLst>
@@ -6129,12 +5987,12 @@
                     </a:srgbClr>
                   </a:outerShdw>
                 </a:effectLst>
-                <a:latin typeface="HP-Friz-Heavy" pitchFamily="34" charset="0"/>
+                <a:latin typeface="VNI-Times Normal" pitchFamily="2" charset="0"/>
               </a:rPr>
               <a:t>BIEÄT THAÙNH CA – </a:t>
             </a:r>
             <a:r>
-              <a:rPr lang="en-US" sz="3600" b="1" spc="50" dirty="0" smtClean="0">
+              <a:rPr lang="en-US" sz="3600" spc="50" dirty="0">
                 <a:ln w="11430"/>
                 <a:gradFill>
                   <a:gsLst>
@@ -6159,7 +6017,7 @@
                     </a:srgbClr>
                   </a:outerShdw>
                 </a:effectLst>
-                <a:latin typeface="HP-Friz-Heavy" pitchFamily="34" charset="0"/>
+                <a:latin typeface="VNI-Times Normal" pitchFamily="2" charset="0"/>
               </a:rPr>
               <a:t>LÖÛA PHUÏC HÖNG</a:t>
             </a:r>
@@ -6207,13 +6065,6 @@
     <a:masterClrMapping/>
   </p:clrMapOvr>
   <p:transition spd="slow"/>
-  <p:timing>
-    <p:tnLst>
-      <p:par>
-        <p:cTn id="1" dur="indefinite" restart="never" nodeType="tmRoot"/>
-      </p:par>
-    </p:tnLst>
-  </p:timing>
 </p:sld>
 </file>
 
@@ -6320,7 +6171,7 @@
               <a:t> </a:t>
             </a:r>
             <a:r>
-              <a:rPr lang="en-US" sz="6600" b="1" dirty="0" err="1" smtClean="0">
+              <a:rPr lang="en-US" sz="6600" b="1" dirty="0" err="1">
                 <a:solidFill>
                   <a:prstClr val="black"/>
                 </a:solidFill>
@@ -6328,7 +6179,7 @@
               </a:rPr>
               <a:t>höng</a:t>
             </a:r>
-            <a:endParaRPr lang="en-US" sz="6600" b="1" dirty="0" smtClean="0">
+            <a:endParaRPr lang="en-US" sz="6600" b="1" dirty="0">
               <a:solidFill>
                 <a:prstClr val="black"/>
               </a:solidFill>
@@ -6338,25 +6189,16 @@
           <a:p>
             <a:pPr algn="ctr"/>
             <a:r>
-              <a:rPr lang="en-US" sz="6600" b="1" dirty="0" smtClean="0">
-                <a:solidFill>
-                  <a:prstClr val="black"/>
-                </a:solidFill>
-                <a:latin typeface="VNI-Aptima" pitchFamily="2" charset="0"/>
-              </a:rPr>
-              <a:t> </a:t>
-            </a:r>
-            <a:r>
-              <a:rPr lang="en-US" sz="6600" b="1" dirty="0">
-                <a:solidFill>
-                  <a:prstClr val="black"/>
-                </a:solidFill>
-                <a:latin typeface="VNI-Aptima" pitchFamily="2" charset="0"/>
-              </a:rPr>
-              <a:t>ban </a:t>
-            </a:r>
-            <a:r>
-              <a:rPr lang="en-US" sz="6600" b="1" dirty="0" err="1" smtClean="0">
+              <a:rPr lang="en-US" sz="6600" b="1" dirty="0">
+                <a:solidFill>
+                  <a:prstClr val="black"/>
+                </a:solidFill>
+                <a:latin typeface="VNI-Aptima" pitchFamily="2" charset="0"/>
+              </a:rPr>
+              <a:t> ban </a:t>
+            </a:r>
+            <a:r>
+              <a:rPr lang="en-US" sz="6600" b="1" dirty="0" err="1">
                 <a:solidFill>
                   <a:prstClr val="black"/>
                 </a:solidFill>
@@ -6365,7 +6207,7 @@
               <a:t>söï</a:t>
             </a:r>
             <a:r>
-              <a:rPr lang="en-US" sz="6600" b="1" dirty="0" smtClean="0">
+              <a:rPr lang="en-US" sz="6600" b="1" dirty="0">
                 <a:solidFill>
                   <a:prstClr val="black"/>
                 </a:solidFill>
@@ -6500,7 +6342,7 @@
               <a:defRPr/>
             </a:pPr>
             <a:r>
-              <a:rPr lang="en-US" sz="3000" b="1" spc="50" dirty="0" smtClean="0">
+              <a:rPr lang="en-US" sz="3000" spc="50" dirty="0">
                 <a:ln w="11430"/>
                 <a:gradFill>
                   <a:gsLst>
@@ -6525,12 +6367,12 @@
                     </a:srgbClr>
                   </a:outerShdw>
                 </a:effectLst>
-                <a:latin typeface="HP-Friz-Heavy" pitchFamily="34" charset="0"/>
+                <a:latin typeface="VNI-Times Normal" pitchFamily="2" charset="0"/>
               </a:rPr>
               <a:t>BIEÄT THAÙNH CA – </a:t>
             </a:r>
             <a:r>
-              <a:rPr lang="en-US" sz="3600" b="1" spc="50" dirty="0" smtClean="0">
+              <a:rPr lang="en-US" sz="3600" spc="50" dirty="0">
                 <a:ln w="11430"/>
                 <a:gradFill>
                   <a:gsLst>
@@ -6555,7 +6397,7 @@
                     </a:srgbClr>
                   </a:outerShdw>
                 </a:effectLst>
-                <a:latin typeface="HP-Friz-Heavy" pitchFamily="34" charset="0"/>
+                <a:latin typeface="VNI-Times Normal" pitchFamily="2" charset="0"/>
               </a:rPr>
               <a:t>LÖÛA PHUÏC HÖNG</a:t>
             </a:r>
@@ -6603,13 +6445,6 @@
     <a:masterClrMapping/>
   </p:clrMapOvr>
   <p:transition spd="slow"/>
-  <p:timing>
-    <p:tnLst>
-      <p:par>
-        <p:cTn id="1" dur="indefinite" restart="never" nodeType="tmRoot"/>
-      </p:par>
-    </p:tnLst>
-  </p:timing>
 </p:sld>
 </file>
 
@@ -6663,7 +6498,7 @@
               <a:t>Cha </a:t>
             </a:r>
             <a:r>
-              <a:rPr lang="en-US" sz="6600" b="1" dirty="0" err="1" smtClean="0">
+              <a:rPr lang="en-US" sz="6600" b="1" dirty="0" err="1">
                 <a:solidFill>
                   <a:prstClr val="black"/>
                 </a:solidFill>
@@ -6672,7 +6507,7 @@
               <a:t>ôi</a:t>
             </a:r>
             <a:r>
-              <a:rPr lang="en-US" sz="6600" b="1" dirty="0" smtClean="0">
+              <a:rPr lang="en-US" sz="6600" b="1" dirty="0">
                 <a:solidFill>
                   <a:prstClr val="black"/>
                 </a:solidFill>
@@ -6716,17 +6551,8 @@
               </a:rPr>
               <a:t> </a:t>
             </a:r>
-            <a:r>
-              <a:rPr lang="en-US" sz="6600" b="1" dirty="0" smtClean="0">
-                <a:solidFill>
-                  <a:prstClr val="black"/>
-                </a:solidFill>
-                <a:latin typeface="VNI-Aptima" pitchFamily="2" charset="0"/>
-              </a:rPr>
-              <a:t/>
-            </a:r>
             <a:br>
-              <a:rPr lang="en-US" sz="6600" b="1" dirty="0" smtClean="0">
+              <a:rPr lang="en-US" sz="6600" b="1" dirty="0">
                 <a:solidFill>
                   <a:prstClr val="black"/>
                 </a:solidFill>
@@ -6734,7 +6560,7 @@
               </a:rPr>
             </a:br>
             <a:r>
-              <a:rPr lang="en-US" sz="6600" b="1" dirty="0" err="1" smtClean="0">
+              <a:rPr lang="en-US" sz="6600" b="1" dirty="0" err="1">
                 <a:solidFill>
                   <a:prstClr val="black"/>
                 </a:solidFill>
@@ -6743,7 +6569,7 @@
               <a:t>vinh</a:t>
             </a:r>
             <a:r>
-              <a:rPr lang="en-US" sz="6600" b="1" dirty="0" smtClean="0">
+              <a:rPr lang="en-US" sz="6600" b="1" dirty="0">
                 <a:solidFill>
                   <a:prstClr val="black"/>
                 </a:solidFill>
@@ -6787,17 +6613,8 @@
               </a:rPr>
               <a:t> </a:t>
             </a:r>
-            <a:r>
-              <a:rPr lang="en-US" sz="6600" b="1" dirty="0" smtClean="0">
-                <a:solidFill>
-                  <a:prstClr val="black"/>
-                </a:solidFill>
-                <a:latin typeface="VNI-Aptima" pitchFamily="2" charset="0"/>
-              </a:rPr>
-              <a:t/>
-            </a:r>
             <a:br>
-              <a:rPr lang="en-US" sz="6600" b="1" dirty="0" smtClean="0">
+              <a:rPr lang="en-US" sz="6600" b="1" dirty="0">
                 <a:solidFill>
                   <a:prstClr val="black"/>
                 </a:solidFill>
@@ -6805,7 +6622,7 @@
               </a:rPr>
             </a:br>
             <a:r>
-              <a:rPr lang="en-US" sz="6600" b="1" dirty="0" err="1" smtClean="0">
+              <a:rPr lang="en-US" sz="6600" b="1" dirty="0" err="1">
                 <a:solidFill>
                   <a:prstClr val="black"/>
                 </a:solidFill>
@@ -6814,22 +6631,13 @@
               <a:t>loøng</a:t>
             </a:r>
             <a:r>
-              <a:rPr lang="en-US" sz="6600" b="1" dirty="0" smtClean="0">
-                <a:solidFill>
-                  <a:prstClr val="black"/>
-                </a:solidFill>
-                <a:latin typeface="VNI-Aptima" pitchFamily="2" charset="0"/>
-              </a:rPr>
-              <a:t> </a:t>
-            </a:r>
-            <a:r>
-              <a:rPr lang="en-US" sz="6600" b="1" dirty="0">
-                <a:solidFill>
-                  <a:prstClr val="black"/>
-                </a:solidFill>
-                <a:latin typeface="VNI-Aptima" pitchFamily="2" charset="0"/>
-              </a:rPr>
-              <a:t>con </a:t>
+              <a:rPr lang="en-US" sz="6600" b="1" dirty="0">
+                <a:solidFill>
+                  <a:prstClr val="black"/>
+                </a:solidFill>
+                <a:latin typeface="VNI-Aptima" pitchFamily="2" charset="0"/>
+              </a:rPr>
+              <a:t> con </a:t>
             </a:r>
             <a:r>
               <a:rPr lang="en-US" sz="6600" b="1" dirty="0" err="1">
@@ -6958,7 +6766,7 @@
               <a:defRPr/>
             </a:pPr>
             <a:r>
-              <a:rPr lang="en-US" sz="3000" b="1" spc="50" dirty="0" smtClean="0">
+              <a:rPr lang="en-US" sz="3000" spc="50" dirty="0">
                 <a:ln w="11430"/>
                 <a:gradFill>
                   <a:gsLst>
@@ -6983,12 +6791,12 @@
                     </a:srgbClr>
                   </a:outerShdw>
                 </a:effectLst>
-                <a:latin typeface="HP-Friz-Heavy" pitchFamily="34" charset="0"/>
+                <a:latin typeface="VNI-Times Normal" pitchFamily="2" charset="0"/>
               </a:rPr>
               <a:t>BIEÄT THAÙNH CA – </a:t>
             </a:r>
             <a:r>
-              <a:rPr lang="en-US" sz="3600" b="1" spc="50" dirty="0" smtClean="0">
+              <a:rPr lang="en-US" sz="3600" spc="50" dirty="0">
                 <a:ln w="11430"/>
                 <a:gradFill>
                   <a:gsLst>
@@ -7013,7 +6821,7 @@
                     </a:srgbClr>
                   </a:outerShdw>
                 </a:effectLst>
-                <a:latin typeface="HP-Friz-Heavy" pitchFamily="34" charset="0"/>
+                <a:latin typeface="VNI-Times Normal" pitchFamily="2" charset="0"/>
               </a:rPr>
               <a:t>LÖÛA PHUÏC HÖNG</a:t>
             </a:r>
@@ -7063,13 +6871,6 @@
   <p:transition spd="slow">
     <p:randomBar dir="vert"/>
   </p:transition>
-  <p:timing>
-    <p:tnLst>
-      <p:par>
-        <p:cTn id="1" dur="indefinite" restart="never" nodeType="tmRoot"/>
-      </p:par>
-    </p:tnLst>
-  </p:timing>
 </p:sld>
 </file>
 
@@ -7347,7 +7148,7 @@
               <a:defRPr/>
             </a:pPr>
             <a:r>
-              <a:rPr lang="en-US" sz="3000" b="1" spc="50" dirty="0" smtClean="0">
+              <a:rPr lang="en-US" sz="3000" spc="50" dirty="0">
                 <a:ln w="11430"/>
                 <a:gradFill>
                   <a:gsLst>
@@ -7372,12 +7173,12 @@
                     </a:srgbClr>
                   </a:outerShdw>
                 </a:effectLst>
-                <a:latin typeface="HP-Friz-Heavy" pitchFamily="34" charset="0"/>
+                <a:latin typeface="VNI-Times Normal" pitchFamily="2" charset="0"/>
               </a:rPr>
               <a:t>BIEÄT THAÙNH CA – </a:t>
             </a:r>
             <a:r>
-              <a:rPr lang="en-US" sz="3600" b="1" spc="50" dirty="0" smtClean="0">
+              <a:rPr lang="en-US" sz="3600" spc="50" dirty="0">
                 <a:ln w="11430"/>
                 <a:gradFill>
                   <a:gsLst>
@@ -7402,7 +7203,7 @@
                     </a:srgbClr>
                   </a:outerShdw>
                 </a:effectLst>
-                <a:latin typeface="HP-Friz-Heavy" pitchFamily="34" charset="0"/>
+                <a:latin typeface="VNI-Times Normal" pitchFamily="2" charset="0"/>
               </a:rPr>
               <a:t>LÖÛA PHUÏC HÖNG</a:t>
             </a:r>
@@ -7450,13 +7251,6 @@
     <a:masterClrMapping/>
   </p:clrMapOvr>
   <p:transition spd="slow"/>
-  <p:timing>
-    <p:tnLst>
-      <p:par>
-        <p:cTn id="1" dur="indefinite" restart="never" nodeType="tmRoot"/>
-      </p:par>
-    </p:tnLst>
-  </p:timing>
 </p:sld>
 </file>
 
@@ -7536,17 +7330,11 @@
               </a:rPr>
               <a:t> </a:t>
             </a:r>
-            <a:endParaRPr lang="en-US" sz="6600" b="1" dirty="0" smtClean="0">
-              <a:solidFill>
-                <a:prstClr val="black"/>
-              </a:solidFill>
-              <a:latin typeface="VNI-Aptima" pitchFamily="2" charset="0"/>
-            </a:endParaRPr>
           </a:p>
           <a:p>
             <a:pPr algn="ctr"/>
             <a:r>
-              <a:rPr lang="en-US" sz="6600" b="1" dirty="0" err="1" smtClean="0">
+              <a:rPr lang="en-US" sz="6600" b="1" dirty="0" err="1">
                 <a:solidFill>
                   <a:prstClr val="black"/>
                 </a:solidFill>
@@ -7555,7 +7343,7 @@
               <a:t>bao</a:t>
             </a:r>
             <a:r>
-              <a:rPr lang="en-US" sz="6600" b="1" dirty="0" smtClean="0">
+              <a:rPr lang="en-US" sz="6600" b="1" dirty="0">
                 <a:solidFill>
                   <a:prstClr val="black"/>
                 </a:solidFill>
@@ -7564,7 +7352,7 @@
               <a:t> </a:t>
             </a:r>
             <a:r>
-              <a:rPr lang="en-US" sz="6600" b="1" dirty="0" err="1" smtClean="0">
+              <a:rPr lang="en-US" sz="6600" b="1" dirty="0" err="1">
                 <a:solidFill>
                   <a:prstClr val="black"/>
                 </a:solidFill>
@@ -7573,7 +7361,7 @@
               <a:t>nhieâu</a:t>
             </a:r>
             <a:r>
-              <a:rPr lang="en-US" sz="6600" b="1" dirty="0" smtClean="0">
+              <a:rPr lang="en-US" sz="6600" b="1" dirty="0">
                 <a:solidFill>
                   <a:prstClr val="black"/>
                 </a:solidFill>
@@ -7582,7 +7370,7 @@
               <a:t> </a:t>
             </a:r>
             <a:r>
-              <a:rPr lang="en-US" sz="6600" b="1" dirty="0" err="1" smtClean="0">
+              <a:rPr lang="en-US" sz="6600" b="1" dirty="0" err="1">
                 <a:solidFill>
                   <a:prstClr val="black"/>
                 </a:solidFill>
@@ -7591,7 +7379,7 @@
               <a:t>oâ</a:t>
             </a:r>
             <a:r>
-              <a:rPr lang="en-US" sz="6600" b="1" dirty="0" smtClean="0">
+              <a:rPr lang="en-US" sz="6600" b="1" dirty="0">
                 <a:solidFill>
                   <a:prstClr val="black"/>
                 </a:solidFill>
@@ -7617,17 +7405,11 @@
               </a:rPr>
               <a:t> </a:t>
             </a:r>
-            <a:endParaRPr lang="en-US" sz="6600" b="1" dirty="0" smtClean="0">
-              <a:solidFill>
-                <a:prstClr val="black"/>
-              </a:solidFill>
-              <a:latin typeface="VNI-Aptima" pitchFamily="2" charset="0"/>
-            </a:endParaRPr>
           </a:p>
           <a:p>
             <a:pPr algn="ctr"/>
             <a:r>
-              <a:rPr lang="en-US" sz="6600" b="1" dirty="0" smtClean="0">
+              <a:rPr lang="en-US" sz="6600" b="1" dirty="0">
                 <a:solidFill>
                   <a:prstClr val="black"/>
                 </a:solidFill>
@@ -7636,7 +7418,7 @@
               <a:t>con </a:t>
             </a:r>
             <a:r>
-              <a:rPr lang="en-US" sz="6600" b="1" dirty="0" err="1" smtClean="0">
+              <a:rPr lang="en-US" sz="6600" b="1" dirty="0" err="1">
                 <a:solidFill>
                   <a:prstClr val="black"/>
                 </a:solidFill>
@@ -7645,7 +7427,7 @@
               <a:t>trôû</a:t>
             </a:r>
             <a:r>
-              <a:rPr lang="en-US" sz="6600" b="1" dirty="0" smtClean="0">
+              <a:rPr lang="en-US" sz="6600" b="1" dirty="0">
                 <a:solidFill>
                   <a:prstClr val="black"/>
                 </a:solidFill>
@@ -7689,17 +7471,11 @@
               </a:rPr>
               <a:t> </a:t>
             </a:r>
-            <a:endParaRPr lang="en-US" sz="6600" b="1" dirty="0" smtClean="0">
-              <a:solidFill>
-                <a:prstClr val="black"/>
-              </a:solidFill>
-              <a:latin typeface="VNI-Aptima" pitchFamily="2" charset="0"/>
-            </a:endParaRPr>
           </a:p>
           <a:p>
             <a:pPr algn="ctr"/>
             <a:r>
-              <a:rPr lang="en-US" sz="6600" b="1" dirty="0" err="1" smtClean="0">
+              <a:rPr lang="en-US" sz="6600" b="1" dirty="0" err="1">
                 <a:solidFill>
                   <a:prstClr val="black"/>
                 </a:solidFill>
@@ -7708,7 +7484,7 @@
               <a:t>nôi</a:t>
             </a:r>
             <a:r>
-              <a:rPr lang="en-US" sz="6600" b="1" dirty="0" smtClean="0">
+              <a:rPr lang="en-US" sz="6600" b="1" dirty="0">
                 <a:solidFill>
                   <a:prstClr val="black"/>
                 </a:solidFill>
@@ -7717,7 +7493,7 @@
               <a:t> </a:t>
             </a:r>
             <a:r>
-              <a:rPr lang="en-US" sz="6600" b="1" err="1" smtClean="0">
+              <a:rPr lang="en-US" sz="6600" b="1" err="1">
                 <a:solidFill>
                   <a:prstClr val="black"/>
                 </a:solidFill>
@@ -7726,7 +7502,7 @@
               <a:t>ñeàn</a:t>
             </a:r>
             <a:r>
-              <a:rPr lang="en-US" sz="6600" b="1" smtClean="0">
+              <a:rPr lang="en-US" sz="6600" b="1">
                 <a:solidFill>
                   <a:prstClr val="black"/>
                 </a:solidFill>
@@ -7744,7 +7520,7 @@
               <a:t>T</a:t>
             </a:r>
             <a:r>
-              <a:rPr lang="en-US" sz="6600" b="1" smtClean="0">
+              <a:rPr lang="en-US" sz="6600" b="1">
                 <a:solidFill>
                   <a:prstClr val="black"/>
                 </a:solidFill>
@@ -7817,7 +7593,7 @@
               <a:defRPr/>
             </a:pPr>
             <a:r>
-              <a:rPr lang="en-US" sz="3000" b="1" spc="50" dirty="0" smtClean="0">
+              <a:rPr lang="en-US" sz="3000" spc="50" dirty="0">
                 <a:ln w="11430"/>
                 <a:gradFill>
                   <a:gsLst>
@@ -7842,12 +7618,12 @@
                     </a:srgbClr>
                   </a:outerShdw>
                 </a:effectLst>
-                <a:latin typeface="HP-Friz-Heavy" pitchFamily="34" charset="0"/>
+                <a:latin typeface="VNI-Times Normal" pitchFamily="2" charset="0"/>
               </a:rPr>
               <a:t>BIEÄT THAÙNH CA – </a:t>
             </a:r>
             <a:r>
-              <a:rPr lang="en-US" sz="3600" b="1" spc="50" dirty="0" smtClean="0">
+              <a:rPr lang="en-US" sz="3600" spc="50" dirty="0">
                 <a:ln w="11430"/>
                 <a:gradFill>
                   <a:gsLst>
@@ -7872,7 +7648,7 @@
                     </a:srgbClr>
                   </a:outerShdw>
                 </a:effectLst>
-                <a:latin typeface="HP-Friz-Heavy" pitchFamily="34" charset="0"/>
+                <a:latin typeface="VNI-Times Normal" pitchFamily="2" charset="0"/>
               </a:rPr>
               <a:t>LÖÛA PHUÏC HÖNG</a:t>
             </a:r>
@@ -7920,13 +7696,6 @@
     <a:masterClrMapping/>
   </p:clrMapOvr>
   <p:transition spd="slow"/>
-  <p:timing>
-    <p:tnLst>
-      <p:par>
-        <p:cTn id="1" dur="indefinite" restart="never" nodeType="tmRoot"/>
-      </p:par>
-    </p:tnLst>
-  </p:timing>
 </p:sld>
 </file>
 
@@ -8006,17 +7775,11 @@
               </a:rPr>
               <a:t> </a:t>
             </a:r>
-            <a:endParaRPr lang="en-US" sz="6600" b="1" dirty="0" smtClean="0">
-              <a:solidFill>
-                <a:prstClr val="black"/>
-              </a:solidFill>
-              <a:latin typeface="VNI-Aptima" pitchFamily="2" charset="0"/>
-            </a:endParaRPr>
           </a:p>
           <a:p>
             <a:pPr algn="ctr"/>
             <a:r>
-              <a:rPr lang="en-US" sz="6600" b="1" dirty="0" err="1" smtClean="0">
+              <a:rPr lang="en-US" sz="6600" b="1" dirty="0" err="1">
                 <a:solidFill>
                   <a:prstClr val="black"/>
                 </a:solidFill>
@@ -8025,7 +7788,7 @@
               <a:t>xöa</a:t>
             </a:r>
             <a:r>
-              <a:rPr lang="en-US" sz="6600" b="1" dirty="0" smtClean="0">
+              <a:rPr lang="en-US" sz="6600" b="1" dirty="0">
                 <a:solidFill>
                   <a:prstClr val="black"/>
                 </a:solidFill>
@@ -8034,7 +7797,7 @@
               <a:t> </a:t>
             </a:r>
             <a:r>
-              <a:rPr lang="en-US" sz="6600" b="1" dirty="0" err="1" smtClean="0">
+              <a:rPr lang="en-US" sz="6600" b="1" dirty="0" err="1">
                 <a:solidFill>
                   <a:prstClr val="black"/>
                 </a:solidFill>
@@ -8043,7 +7806,37 @@
               <a:t>trong</a:t>
             </a:r>
             <a:r>
-              <a:rPr lang="en-US" sz="6600" b="1" dirty="0" smtClean="0">
+              <a:rPr lang="en-US" sz="6600" b="1" dirty="0">
+                <a:solidFill>
+                  <a:prstClr val="black"/>
+                </a:solidFill>
+                <a:latin typeface="VNI-Aptima" pitchFamily="2" charset="0"/>
+              </a:rPr>
+              <a:t> Cha </a:t>
+            </a:r>
+          </a:p>
+          <a:p>
+            <a:pPr algn="ctr"/>
+            <a:r>
+              <a:rPr lang="en-US" sz="6600" b="1" dirty="0">
+                <a:solidFill>
+                  <a:prstClr val="black"/>
+                </a:solidFill>
+                <a:latin typeface="VNI-Aptima" pitchFamily="2" charset="0"/>
+              </a:rPr>
+              <a:t>nay con </a:t>
+            </a:r>
+            <a:r>
+              <a:rPr lang="en-US" sz="6600" b="1" err="1">
+                <a:solidFill>
+                  <a:prstClr val="black"/>
+                </a:solidFill>
+                <a:latin typeface="VNI-Aptima" pitchFamily="2" charset="0"/>
+              </a:rPr>
+              <a:t>mong</a:t>
+            </a:r>
+            <a:r>
+              <a:rPr lang="en-US" sz="6600" b="1">
                 <a:solidFill>
                   <a:prstClr val="black"/>
                 </a:solidFill>
@@ -8051,70 +7844,16 @@
               </a:rPr>
               <a:t> </a:t>
             </a:r>
-            <a:r>
-              <a:rPr lang="en-US" sz="6600" b="1" dirty="0">
-                <a:solidFill>
-                  <a:prstClr val="black"/>
-                </a:solidFill>
-                <a:latin typeface="VNI-Aptima" pitchFamily="2" charset="0"/>
-              </a:rPr>
-              <a:t>Cha </a:t>
-            </a:r>
-            <a:endParaRPr lang="en-US" sz="6600" b="1" dirty="0" smtClean="0">
-              <a:solidFill>
-                <a:prstClr val="black"/>
-              </a:solidFill>
-              <a:latin typeface="VNI-Aptima" pitchFamily="2" charset="0"/>
-            </a:endParaRPr>
-          </a:p>
-          <a:p>
-            <a:pPr algn="ctr"/>
-            <a:r>
-              <a:rPr lang="en-US" sz="6600" b="1" dirty="0" smtClean="0">
-                <a:solidFill>
-                  <a:prstClr val="black"/>
-                </a:solidFill>
-                <a:latin typeface="VNI-Aptima" pitchFamily="2" charset="0"/>
-              </a:rPr>
-              <a:t>nay con </a:t>
-            </a:r>
-            <a:r>
-              <a:rPr lang="en-US" sz="6600" b="1" err="1">
-                <a:solidFill>
-                  <a:prstClr val="black"/>
-                </a:solidFill>
-                <a:latin typeface="VNI-Aptima" pitchFamily="2" charset="0"/>
-              </a:rPr>
-              <a:t>mong</a:t>
-            </a:r>
-            <a:r>
+            <a:br>
               <a:rPr lang="en-US" sz="6600" b="1">
                 <a:solidFill>
                   <a:prstClr val="black"/>
                 </a:solidFill>
                 <a:latin typeface="VNI-Aptima" pitchFamily="2" charset="0"/>
               </a:rPr>
-              <a:t> </a:t>
-            </a:r>
-            <a:r>
-              <a:rPr lang="en-US" sz="6600" b="1" smtClean="0">
-                <a:solidFill>
-                  <a:prstClr val="black"/>
-                </a:solidFill>
-                <a:latin typeface="VNI-Aptima" pitchFamily="2" charset="0"/>
-              </a:rPr>
-              <a:t/>
-            </a:r>
-            <a:br>
-              <a:rPr lang="en-US" sz="6600" b="1" smtClean="0">
-                <a:solidFill>
-                  <a:prstClr val="black"/>
-                </a:solidFill>
-                <a:latin typeface="VNI-Aptima" pitchFamily="2" charset="0"/>
-              </a:rPr>
             </a:br>
             <a:r>
-              <a:rPr lang="en-US" sz="6600" b="1" smtClean="0">
+              <a:rPr lang="en-US" sz="6600" b="1">
                 <a:solidFill>
                   <a:prstClr val="black"/>
                 </a:solidFill>
@@ -8187,7 +7926,7 @@
               <a:defRPr/>
             </a:pPr>
             <a:r>
-              <a:rPr lang="en-US" sz="3000" b="1" spc="50" dirty="0" smtClean="0">
+              <a:rPr lang="en-US" sz="3000" spc="50" dirty="0">
                 <a:ln w="11430"/>
                 <a:gradFill>
                   <a:gsLst>
@@ -8212,12 +7951,12 @@
                     </a:srgbClr>
                   </a:outerShdw>
                 </a:effectLst>
-                <a:latin typeface="HP-Friz-Heavy" pitchFamily="34" charset="0"/>
+                <a:latin typeface="VNI-Times Normal" pitchFamily="2" charset="0"/>
               </a:rPr>
               <a:t>BIEÄT THAÙNH CA – </a:t>
             </a:r>
             <a:r>
-              <a:rPr lang="en-US" sz="3600" b="1" spc="50" dirty="0" smtClean="0">
+              <a:rPr lang="en-US" sz="3600" spc="50" dirty="0">
                 <a:ln w="11430"/>
                 <a:gradFill>
                   <a:gsLst>
@@ -8242,7 +7981,7 @@
                     </a:srgbClr>
                   </a:outerShdw>
                 </a:effectLst>
-                <a:latin typeface="HP-Friz-Heavy" pitchFamily="34" charset="0"/>
+                <a:latin typeface="VNI-Times Normal" pitchFamily="2" charset="0"/>
               </a:rPr>
               <a:t>LÖÛA PHUÏC HÖNG</a:t>
             </a:r>
@@ -8290,13 +8029,6 @@
     <a:masterClrMapping/>
   </p:clrMapOvr>
   <p:transition spd="slow"/>
-  <p:timing>
-    <p:tnLst>
-      <p:par>
-        <p:cTn id="1" dur="indefinite" restart="never" nodeType="tmRoot"/>
-      </p:par>
-    </p:tnLst>
-  </p:timing>
 </p:sld>
 </file>
 
@@ -8394,17 +8126,8 @@
               </a:rPr>
               <a:t> </a:t>
             </a:r>
-            <a:r>
-              <a:rPr lang="en-US" sz="6600" b="1" smtClean="0">
-                <a:solidFill>
-                  <a:prstClr val="black"/>
-                </a:solidFill>
-                <a:latin typeface="VNI-Aptima" pitchFamily="2" charset="0"/>
-              </a:rPr>
-              <a:t/>
-            </a:r>
             <a:br>
-              <a:rPr lang="en-US" sz="6600" b="1" smtClean="0">
+              <a:rPr lang="en-US" sz="6600" b="1">
                 <a:solidFill>
                   <a:prstClr val="black"/>
                 </a:solidFill>
@@ -8412,7 +8135,7 @@
               </a:rPr>
             </a:br>
             <a:r>
-              <a:rPr lang="en-US" sz="6600" b="1" smtClean="0">
+              <a:rPr lang="en-US" sz="6600" b="1">
                 <a:solidFill>
                   <a:prstClr val="black"/>
                 </a:solidFill>
@@ -8474,17 +8197,8 @@
               </a:rPr>
               <a:t> </a:t>
             </a:r>
-            <a:r>
-              <a:rPr lang="en-US" sz="6600" b="1" dirty="0" smtClean="0">
-                <a:solidFill>
-                  <a:prstClr val="black"/>
-                </a:solidFill>
-                <a:latin typeface="VNI-Aptima" pitchFamily="2" charset="0"/>
-              </a:rPr>
-              <a:t/>
-            </a:r>
             <a:br>
-              <a:rPr lang="en-US" sz="6600" b="1" dirty="0" smtClean="0">
+              <a:rPr lang="en-US" sz="6600" b="1" dirty="0">
                 <a:solidFill>
                   <a:prstClr val="black"/>
                 </a:solidFill>
@@ -8492,7 +8206,7 @@
               </a:rPr>
             </a:br>
             <a:r>
-              <a:rPr lang="en-US" sz="6600" b="1" dirty="0" err="1" smtClean="0">
+              <a:rPr lang="en-US" sz="6600" b="1" dirty="0" err="1">
                 <a:solidFill>
                   <a:prstClr val="black"/>
                 </a:solidFill>
@@ -8501,7 +8215,7 @@
               <a:t>danh</a:t>
             </a:r>
             <a:r>
-              <a:rPr lang="en-US" sz="6600" b="1" dirty="0" smtClean="0">
+              <a:rPr lang="en-US" sz="6600" b="1" dirty="0">
                 <a:solidFill>
                   <a:prstClr val="black"/>
                 </a:solidFill>
@@ -8537,7 +8251,7 @@
               <a:t>Ngaøi</a:t>
             </a:r>
             <a:r>
-              <a:rPr lang="en-US" sz="6600" b="1" dirty="0" smtClean="0">
+              <a:rPr lang="en-US" sz="6600" b="1" dirty="0">
                 <a:solidFill>
                   <a:prstClr val="black"/>
                 </a:solidFill>
@@ -8545,12 +8259,6 @@
               </a:rPr>
               <a:t>.</a:t>
             </a:r>
-            <a:endParaRPr lang="en-US" sz="6600" b="1" dirty="0">
-              <a:solidFill>
-                <a:prstClr val="black"/>
-              </a:solidFill>
-              <a:latin typeface="VNI-Aptima" pitchFamily="2" charset="0"/>
-            </a:endParaRPr>
           </a:p>
         </p:txBody>
       </p:sp>
@@ -8598,7 +8306,7 @@
               <a:defRPr/>
             </a:pPr>
             <a:r>
-              <a:rPr lang="en-US" sz="3000" b="1" spc="50" dirty="0" smtClean="0">
+              <a:rPr lang="en-US" sz="3000" spc="50" dirty="0">
                 <a:ln w="11430"/>
                 <a:gradFill>
                   <a:gsLst>
@@ -8623,12 +8331,12 @@
                     </a:srgbClr>
                   </a:outerShdw>
                 </a:effectLst>
-                <a:latin typeface="HP-Friz-Heavy" pitchFamily="34" charset="0"/>
+                <a:latin typeface="VNI-Times Normal" pitchFamily="2" charset="0"/>
               </a:rPr>
               <a:t>BIEÄT THAÙNH CA – </a:t>
             </a:r>
             <a:r>
-              <a:rPr lang="en-US" sz="3600" b="1" spc="50" dirty="0" smtClean="0">
+              <a:rPr lang="en-US" sz="3600" spc="50" dirty="0">
                 <a:ln w="11430"/>
                 <a:gradFill>
                   <a:gsLst>
@@ -8653,7 +8361,7 @@
                     </a:srgbClr>
                   </a:outerShdw>
                 </a:effectLst>
-                <a:latin typeface="HP-Friz-Heavy" pitchFamily="34" charset="0"/>
+                <a:latin typeface="VNI-Times Normal" pitchFamily="2" charset="0"/>
               </a:rPr>
               <a:t>LÖÛA PHUÏC HÖNG</a:t>
             </a:r>
@@ -8701,13 +8409,6 @@
     <a:masterClrMapping/>
   </p:clrMapOvr>
   <p:transition spd="slow"/>
-  <p:timing>
-    <p:tnLst>
-      <p:par>
-        <p:cTn id="1" dur="indefinite" restart="never" nodeType="tmRoot"/>
-      </p:par>
-    </p:tnLst>
-  </p:timing>
 </p:sld>
 </file>
 
@@ -8803,28 +8504,90 @@
                 </a:solidFill>
                 <a:latin typeface="VNI-Aptima" pitchFamily="2" charset="0"/>
               </a:rPr>
+              <a:t> nay </a:t>
+            </a:r>
+            <a:br>
+              <a:rPr lang="en-US" sz="6600" b="1" dirty="0">
+                <a:solidFill>
+                  <a:prstClr val="black"/>
+                </a:solidFill>
+                <a:latin typeface="VNI-Aptima" pitchFamily="2" charset="0"/>
+              </a:rPr>
+            </a:br>
+            <a:r>
+              <a:rPr lang="en-US" sz="6600" b="1" dirty="0" err="1">
+                <a:solidFill>
+                  <a:prstClr val="black"/>
+                </a:solidFill>
+                <a:latin typeface="VNI-Aptima" pitchFamily="2" charset="0"/>
+              </a:rPr>
+              <a:t>troïn</a:t>
+            </a:r>
+            <a:r>
+              <a:rPr lang="en-US" sz="6600" b="1" dirty="0">
+                <a:solidFill>
+                  <a:prstClr val="black"/>
+                </a:solidFill>
+                <a:latin typeface="VNI-Aptima" pitchFamily="2" charset="0"/>
+              </a:rPr>
               <a:t> </a:t>
             </a:r>
             <a:r>
-              <a:rPr lang="en-US" sz="6600" b="1" smtClean="0">
-                <a:solidFill>
-                  <a:prstClr val="black"/>
-                </a:solidFill>
-                <a:latin typeface="VNI-Aptima" pitchFamily="2" charset="0"/>
-              </a:rPr>
-              <a:t>nay </a:t>
-            </a:r>
-            <a:r>
-              <a:rPr lang="en-US" sz="6600" b="1" dirty="0" smtClean="0">
-                <a:solidFill>
-                  <a:prstClr val="black"/>
-                </a:solidFill>
-                <a:latin typeface="VNI-Aptima" pitchFamily="2" charset="0"/>
-              </a:rPr>
-              <a:t/>
+              <a:rPr lang="en-US" sz="6600" b="1" dirty="0" err="1">
+                <a:solidFill>
+                  <a:prstClr val="black"/>
+                </a:solidFill>
+                <a:latin typeface="VNI-Aptima" pitchFamily="2" charset="0"/>
+              </a:rPr>
+              <a:t>cuoäc</a:t>
+            </a:r>
+            <a:r>
+              <a:rPr lang="en-US" sz="6600" b="1" dirty="0">
+                <a:solidFill>
+                  <a:prstClr val="black"/>
+                </a:solidFill>
+                <a:latin typeface="VNI-Aptima" pitchFamily="2" charset="0"/>
+              </a:rPr>
+              <a:t> </a:t>
+            </a:r>
+            <a:r>
+              <a:rPr lang="en-US" sz="6600" b="1" dirty="0" err="1">
+                <a:solidFill>
+                  <a:prstClr val="black"/>
+                </a:solidFill>
+                <a:latin typeface="VNI-Aptima" pitchFamily="2" charset="0"/>
+              </a:rPr>
+              <a:t>ñôøi</a:t>
+            </a:r>
+            <a:r>
+              <a:rPr lang="en-US" sz="6600" b="1" dirty="0">
+                <a:solidFill>
+                  <a:prstClr val="black"/>
+                </a:solidFill>
+                <a:latin typeface="VNI-Aptima" pitchFamily="2" charset="0"/>
+              </a:rPr>
+              <a:t> </a:t>
+            </a:r>
+            <a:r>
+              <a:rPr lang="en-US" sz="6600" b="1" dirty="0" err="1">
+                <a:solidFill>
+                  <a:prstClr val="black"/>
+                </a:solidFill>
+                <a:latin typeface="VNI-Aptima" pitchFamily="2" charset="0"/>
+              </a:rPr>
+              <a:t>naøy</a:t>
+            </a:r>
+            <a:r>
+              <a:rPr lang="en-US" sz="6600" b="1" dirty="0">
+                <a:solidFill>
+                  <a:prstClr val="black"/>
+                </a:solidFill>
+                <a:latin typeface="VNI-Aptima" pitchFamily="2" charset="0"/>
+              </a:rPr>
+              <a:t> </a:t>
             </a:r>
             <a:br>
-              <a:rPr lang="en-US" sz="6600" b="1" dirty="0" smtClean="0">
+              <a:rPr lang="en-US" sz="6600" b="1" dirty="0">
                 <a:solidFill>
                   <a:prstClr val="black"/>
                 </a:solidFill>
@@ -8832,105 +8595,16 @@
               </a:rPr>
             </a:br>
             <a:r>
-              <a:rPr lang="en-US" sz="6600" b="1" dirty="0" err="1" smtClean="0">
-                <a:solidFill>
-                  <a:prstClr val="black"/>
-                </a:solidFill>
-                <a:latin typeface="VNI-Aptima" pitchFamily="2" charset="0"/>
-              </a:rPr>
-              <a:t>troïn</a:t>
-            </a:r>
-            <a:r>
-              <a:rPr lang="en-US" sz="6600" b="1" dirty="0" smtClean="0">
-                <a:solidFill>
-                  <a:prstClr val="black"/>
-                </a:solidFill>
-                <a:latin typeface="VNI-Aptima" pitchFamily="2" charset="0"/>
-              </a:rPr>
-              <a:t> </a:t>
-            </a:r>
-            <a:r>
               <a:rPr lang="en-US" sz="6600" b="1" dirty="0" err="1">
                 <a:solidFill>
                   <a:prstClr val="black"/>
                 </a:solidFill>
                 <a:latin typeface="VNI-Aptima" pitchFamily="2" charset="0"/>
               </a:rPr>
-              <a:t>cuoäc</a:t>
-            </a:r>
-            <a:r>
-              <a:rPr lang="en-US" sz="6600" b="1" dirty="0">
-                <a:solidFill>
-                  <a:prstClr val="black"/>
-                </a:solidFill>
-                <a:latin typeface="VNI-Aptima" pitchFamily="2" charset="0"/>
-              </a:rPr>
-              <a:t> </a:t>
-            </a:r>
-            <a:r>
-              <a:rPr lang="en-US" sz="6600" b="1" dirty="0" err="1">
-                <a:solidFill>
-                  <a:prstClr val="black"/>
-                </a:solidFill>
-                <a:latin typeface="VNI-Aptima" pitchFamily="2" charset="0"/>
-              </a:rPr>
-              <a:t>ñôøi</a:t>
-            </a:r>
-            <a:r>
-              <a:rPr lang="en-US" sz="6600" b="1" dirty="0">
-                <a:solidFill>
-                  <a:prstClr val="black"/>
-                </a:solidFill>
-                <a:latin typeface="VNI-Aptima" pitchFamily="2" charset="0"/>
-              </a:rPr>
-              <a:t> </a:t>
-            </a:r>
-            <a:r>
-              <a:rPr lang="en-US" sz="6600" b="1" dirty="0" err="1">
-                <a:solidFill>
-                  <a:prstClr val="black"/>
-                </a:solidFill>
-                <a:latin typeface="VNI-Aptima" pitchFamily="2" charset="0"/>
-              </a:rPr>
-              <a:t>naøy</a:t>
-            </a:r>
-            <a:r>
-              <a:rPr lang="en-US" sz="6600" b="1" dirty="0">
-                <a:solidFill>
-                  <a:prstClr val="black"/>
-                </a:solidFill>
-                <a:latin typeface="VNI-Aptima" pitchFamily="2" charset="0"/>
-              </a:rPr>
-              <a:t> </a:t>
-            </a:r>
-            <a:r>
-              <a:rPr lang="en-US" sz="6600" b="1" dirty="0" smtClean="0">
-                <a:solidFill>
-                  <a:prstClr val="black"/>
-                </a:solidFill>
-                <a:latin typeface="VNI-Aptima" pitchFamily="2" charset="0"/>
-              </a:rPr>
-              <a:t/>
-            </a:r>
-            <a:br>
-              <a:rPr lang="en-US" sz="6600" b="1" dirty="0" smtClean="0">
-                <a:solidFill>
-                  <a:prstClr val="black"/>
-                </a:solidFill>
-                <a:latin typeface="VNI-Aptima" pitchFamily="2" charset="0"/>
-              </a:rPr>
-            </a:br>
-            <a:r>
-              <a:rPr lang="en-US" sz="6600" b="1" dirty="0" err="1" smtClean="0">
-                <a:solidFill>
-                  <a:prstClr val="black"/>
-                </a:solidFill>
-                <a:latin typeface="VNI-Aptima" pitchFamily="2" charset="0"/>
-              </a:rPr>
               <a:t>ñöôïc</a:t>
             </a:r>
             <a:r>
-              <a:rPr lang="en-US" sz="6600" b="1" dirty="0" smtClean="0">
+              <a:rPr lang="en-US" sz="6600" b="1" dirty="0">
                 <a:solidFill>
                   <a:prstClr val="black"/>
                 </a:solidFill>
@@ -9039,7 +8713,7 @@
               <a:defRPr/>
             </a:pPr>
             <a:r>
-              <a:rPr lang="en-US" sz="3000" b="1" spc="50" dirty="0" smtClean="0">
+              <a:rPr lang="en-US" sz="3000" spc="50" dirty="0">
                 <a:ln w="11430"/>
                 <a:gradFill>
                   <a:gsLst>
@@ -9064,12 +8738,12 @@
                     </a:srgbClr>
                   </a:outerShdw>
                 </a:effectLst>
-                <a:latin typeface="HP-Friz-Heavy" pitchFamily="34" charset="0"/>
+                <a:latin typeface="VNI-Times Normal" pitchFamily="2" charset="0"/>
               </a:rPr>
               <a:t>BIEÄT THAÙNH CA – </a:t>
             </a:r>
             <a:r>
-              <a:rPr lang="en-US" sz="3600" b="1" spc="50" dirty="0" smtClean="0">
+              <a:rPr lang="en-US" sz="3600" spc="50" dirty="0">
                 <a:ln w="11430"/>
                 <a:gradFill>
                   <a:gsLst>
@@ -9094,7 +8768,7 @@
                     </a:srgbClr>
                   </a:outerShdw>
                 </a:effectLst>
-                <a:latin typeface="HP-Friz-Heavy" pitchFamily="34" charset="0"/>
+                <a:latin typeface="VNI-Times Normal" pitchFamily="2" charset="0"/>
               </a:rPr>
               <a:t>LÖÛA PHUÏC HÖNG</a:t>
             </a:r>
@@ -9142,13 +8816,6 @@
     <a:masterClrMapping/>
   </p:clrMapOvr>
   <p:transition spd="slow"/>
-  <p:timing>
-    <p:tnLst>
-      <p:par>
-        <p:cTn id="1" dur="indefinite" restart="never" nodeType="tmRoot"/>
-      </p:par>
-    </p:tnLst>
-  </p:timing>
 </p:sld>
 </file>
 
@@ -9298,16 +8965,43 @@
                 </a:solidFill>
                 <a:latin typeface="VNI-Aptima" pitchFamily="2" charset="0"/>
               </a:rPr>
+              <a:t> ban </a:t>
+            </a:r>
+            <a:r>
+              <a:rPr lang="en-US" sz="6600" b="1" dirty="0" err="1">
+                <a:solidFill>
+                  <a:prstClr val="black"/>
+                </a:solidFill>
+                <a:latin typeface="VNI-Aptima" pitchFamily="2" charset="0"/>
+              </a:rPr>
+              <a:t>löûa</a:t>
+            </a:r>
+            <a:r>
+              <a:rPr lang="en-US" sz="6600" b="1" dirty="0">
+                <a:solidFill>
+                  <a:prstClr val="black"/>
+                </a:solidFill>
+                <a:latin typeface="VNI-Aptima" pitchFamily="2" charset="0"/>
+              </a:rPr>
               <a:t> </a:t>
             </a:r>
             <a:r>
-              <a:rPr lang="en-US" sz="6600" b="1" smtClean="0">
-                <a:solidFill>
-                  <a:prstClr val="black"/>
-                </a:solidFill>
-                <a:latin typeface="VNI-Aptima" pitchFamily="2" charset="0"/>
-              </a:rPr>
-              <a:t>ban </a:t>
+              <a:rPr lang="en-US" sz="6600" b="1" err="1">
+                <a:solidFill>
+                  <a:prstClr val="black"/>
+                </a:solidFill>
+                <a:latin typeface="VNI-Aptima" pitchFamily="2" charset="0"/>
+              </a:rPr>
+              <a:t>thieâng</a:t>
+            </a:r>
+            <a:r>
+              <a:rPr lang="en-US" sz="6600" b="1">
+                <a:solidFill>
+                  <a:prstClr val="black"/>
+                </a:solidFill>
+                <a:latin typeface="VNI-Aptima" pitchFamily="2" charset="0"/>
+              </a:rPr>
+              <a:t> thieâu </a:t>
             </a:r>
             <a:r>
               <a:rPr lang="en-US" sz="6600" b="1" dirty="0" err="1">
@@ -9316,7 +9010,7 @@
                 </a:solidFill>
                 <a:latin typeface="VNI-Aptima" pitchFamily="2" charset="0"/>
               </a:rPr>
-              <a:t>löûa</a:t>
+              <a:t>ñoát</a:t>
             </a:r>
             <a:r>
               <a:rPr lang="en-US" sz="6600" b="1" dirty="0">
@@ -9327,6 +9021,45 @@
               </a:rPr>
               <a:t> </a:t>
             </a:r>
+          </a:p>
+          <a:p>
+            <a:pPr algn="ctr"/>
+            <a:r>
+              <a:rPr lang="en-US" sz="6600" b="1" dirty="0" err="1">
+                <a:solidFill>
+                  <a:prstClr val="black"/>
+                </a:solidFill>
+                <a:latin typeface="VNI-Aptima" pitchFamily="2" charset="0"/>
+              </a:rPr>
+              <a:t>caû</a:t>
+            </a:r>
+            <a:r>
+              <a:rPr lang="en-US" sz="6600" b="1" dirty="0">
+                <a:solidFill>
+                  <a:prstClr val="black"/>
+                </a:solidFill>
+                <a:latin typeface="VNI-Aptima" pitchFamily="2" charset="0"/>
+              </a:rPr>
+              <a:t> </a:t>
+            </a:r>
+            <a:r>
+              <a:rPr lang="en-US" sz="6600" b="1" dirty="0" err="1">
+                <a:solidFill>
+                  <a:prstClr val="black"/>
+                </a:solidFill>
+                <a:latin typeface="VNI-Aptima" pitchFamily="2" charset="0"/>
+              </a:rPr>
+              <a:t>hoàn</a:t>
+            </a:r>
+            <a:r>
+              <a:rPr lang="en-US" sz="6600" b="1" dirty="0">
+                <a:solidFill>
+                  <a:prstClr val="black"/>
+                </a:solidFill>
+                <a:latin typeface="VNI-Aptima" pitchFamily="2" charset="0"/>
+              </a:rPr>
+              <a:t> </a:t>
+            </a:r>
             <a:r>
               <a:rPr lang="en-US" sz="6600" b="1" err="1">
                 <a:solidFill>
@@ -9334,7 +9067,7 @@
                 </a:solidFill>
                 <a:latin typeface="VNI-Aptima" pitchFamily="2" charset="0"/>
               </a:rPr>
-              <a:t>thieâng</a:t>
+              <a:t>linh</a:t>
             </a:r>
             <a:r>
               <a:rPr lang="en-US" sz="6600" b="1">
@@ -9343,106 +9076,7 @@
                 </a:solidFill>
                 <a:latin typeface="VNI-Aptima" pitchFamily="2" charset="0"/>
               </a:rPr>
-              <a:t> </a:t>
-            </a:r>
-            <a:r>
-              <a:rPr lang="en-US" sz="6600" b="1" smtClean="0">
-                <a:solidFill>
-                  <a:prstClr val="black"/>
-                </a:solidFill>
-                <a:latin typeface="VNI-Aptima" pitchFamily="2" charset="0"/>
-              </a:rPr>
-              <a:t>thieâu </a:t>
-            </a:r>
-            <a:r>
-              <a:rPr lang="en-US" sz="6600" b="1" dirty="0" err="1">
-                <a:solidFill>
-                  <a:prstClr val="black"/>
-                </a:solidFill>
-                <a:latin typeface="VNI-Aptima" pitchFamily="2" charset="0"/>
-              </a:rPr>
-              <a:t>ñoát</a:t>
-            </a:r>
-            <a:r>
-              <a:rPr lang="en-US" sz="6600" b="1" dirty="0">
-                <a:solidFill>
-                  <a:prstClr val="black"/>
-                </a:solidFill>
-                <a:latin typeface="VNI-Aptima" pitchFamily="2" charset="0"/>
-              </a:rPr>
-              <a:t> </a:t>
-            </a:r>
-            <a:endParaRPr lang="en-US" sz="6600" b="1" dirty="0" smtClean="0">
-              <a:solidFill>
-                <a:prstClr val="black"/>
-              </a:solidFill>
-              <a:latin typeface="VNI-Aptima" pitchFamily="2" charset="0"/>
-            </a:endParaRPr>
-          </a:p>
-          <a:p>
-            <a:pPr algn="ctr"/>
-            <a:r>
-              <a:rPr lang="en-US" sz="6600" b="1" dirty="0" err="1" smtClean="0">
-                <a:solidFill>
-                  <a:prstClr val="black"/>
-                </a:solidFill>
-                <a:latin typeface="VNI-Aptima" pitchFamily="2" charset="0"/>
-              </a:rPr>
-              <a:t>caû</a:t>
-            </a:r>
-            <a:r>
-              <a:rPr lang="en-US" sz="6600" b="1" dirty="0" smtClean="0">
-                <a:solidFill>
-                  <a:prstClr val="black"/>
-                </a:solidFill>
-                <a:latin typeface="VNI-Aptima" pitchFamily="2" charset="0"/>
-              </a:rPr>
-              <a:t> </a:t>
-            </a:r>
-            <a:r>
-              <a:rPr lang="en-US" sz="6600" b="1" dirty="0" err="1">
-                <a:solidFill>
-                  <a:prstClr val="black"/>
-                </a:solidFill>
-                <a:latin typeface="VNI-Aptima" pitchFamily="2" charset="0"/>
-              </a:rPr>
-              <a:t>hoàn</a:t>
-            </a:r>
-            <a:r>
-              <a:rPr lang="en-US" sz="6600" b="1" dirty="0">
-                <a:solidFill>
-                  <a:prstClr val="black"/>
-                </a:solidFill>
-                <a:latin typeface="VNI-Aptima" pitchFamily="2" charset="0"/>
-              </a:rPr>
-              <a:t> </a:t>
-            </a:r>
-            <a:r>
-              <a:rPr lang="en-US" sz="6600" b="1" err="1">
-                <a:solidFill>
-                  <a:prstClr val="black"/>
-                </a:solidFill>
-                <a:latin typeface="VNI-Aptima" pitchFamily="2" charset="0"/>
-              </a:rPr>
-              <a:t>linh</a:t>
-            </a:r>
-            <a:r>
-              <a:rPr lang="en-US" sz="6600" b="1">
-                <a:solidFill>
-                  <a:prstClr val="black"/>
-                </a:solidFill>
-                <a:latin typeface="VNI-Aptima" pitchFamily="2" charset="0"/>
-              </a:rPr>
-              <a:t> </a:t>
-            </a:r>
-            <a:r>
-              <a:rPr lang="en-US" sz="6600" b="1" smtClean="0">
-                <a:solidFill>
-                  <a:prstClr val="black"/>
-                </a:solidFill>
-                <a:latin typeface="VNI-Aptima" pitchFamily="2" charset="0"/>
-              </a:rPr>
-              <a:t>con.</a:t>
+              <a:t> con.</a:t>
             </a:r>
             <a:endParaRPr lang="en-US" sz="6600" b="1" dirty="0">
               <a:solidFill>
@@ -9497,7 +9131,7 @@
               <a:defRPr/>
             </a:pPr>
             <a:r>
-              <a:rPr lang="en-US" sz="3000" b="1" spc="50" dirty="0" smtClean="0">
+              <a:rPr lang="en-US" sz="3000" spc="50" dirty="0">
                 <a:ln w="11430"/>
                 <a:gradFill>
                   <a:gsLst>
@@ -9522,12 +9156,12 @@
                     </a:srgbClr>
                   </a:outerShdw>
                 </a:effectLst>
-                <a:latin typeface="HP-Friz-Heavy" pitchFamily="34" charset="0"/>
+                <a:latin typeface="VNI-Times Normal" pitchFamily="2" charset="0"/>
               </a:rPr>
               <a:t>BIEÄT THAÙNH CA – </a:t>
             </a:r>
             <a:r>
-              <a:rPr lang="en-US" sz="3600" b="1" spc="50" dirty="0" smtClean="0">
+              <a:rPr lang="en-US" sz="3600" spc="50" dirty="0">
                 <a:ln w="11430"/>
                 <a:gradFill>
                   <a:gsLst>
@@ -9552,7 +9186,7 @@
                     </a:srgbClr>
                   </a:outerShdw>
                 </a:effectLst>
-                <a:latin typeface="HP-Friz-Heavy" pitchFamily="34" charset="0"/>
+                <a:latin typeface="VNI-Times Normal" pitchFamily="2" charset="0"/>
               </a:rPr>
               <a:t>LÖÛA PHUÏC HÖNG</a:t>
             </a:r>
@@ -9600,13 +9234,6 @@
     <a:masterClrMapping/>
   </p:clrMapOvr>
   <p:transition spd="slow"/>
-  <p:timing>
-    <p:tnLst>
-      <p:par>
-        <p:cTn id="1" dur="indefinite" restart="never" nodeType="tmRoot"/>
-      </p:par>
-    </p:tnLst>
-  </p:timing>
 </p:sld>
 </file>
 
@@ -9713,7 +9340,7 @@
               <a:t> </a:t>
             </a:r>
             <a:r>
-              <a:rPr lang="en-US" sz="6600" b="1" dirty="0" err="1" smtClean="0">
+              <a:rPr lang="en-US" sz="6600" b="1" dirty="0" err="1">
                 <a:solidFill>
                   <a:prstClr val="black"/>
                 </a:solidFill>
@@ -9721,7 +9348,7 @@
               </a:rPr>
               <a:t>höng</a:t>
             </a:r>
-            <a:endParaRPr lang="en-US" sz="6600" b="1" dirty="0" smtClean="0">
+            <a:endParaRPr lang="en-US" sz="6600" b="1" dirty="0">
               <a:solidFill>
                 <a:prstClr val="black"/>
               </a:solidFill>
@@ -9731,25 +9358,16 @@
           <a:p>
             <a:pPr algn="ctr"/>
             <a:r>
-              <a:rPr lang="en-US" sz="6600" b="1" dirty="0" smtClean="0">
-                <a:solidFill>
-                  <a:prstClr val="black"/>
-                </a:solidFill>
-                <a:latin typeface="VNI-Aptima" pitchFamily="2" charset="0"/>
-              </a:rPr>
-              <a:t> </a:t>
-            </a:r>
-            <a:r>
-              <a:rPr lang="en-US" sz="6600" b="1" dirty="0">
-                <a:solidFill>
-                  <a:prstClr val="black"/>
-                </a:solidFill>
-                <a:latin typeface="VNI-Aptima" pitchFamily="2" charset="0"/>
-              </a:rPr>
-              <a:t>ban </a:t>
-            </a:r>
-            <a:r>
-              <a:rPr lang="en-US" sz="6600" b="1" dirty="0" err="1" smtClean="0">
+              <a:rPr lang="en-US" sz="6600" b="1" dirty="0">
+                <a:solidFill>
+                  <a:prstClr val="black"/>
+                </a:solidFill>
+                <a:latin typeface="VNI-Aptima" pitchFamily="2" charset="0"/>
+              </a:rPr>
+              <a:t> ban </a:t>
+            </a:r>
+            <a:r>
+              <a:rPr lang="en-US" sz="6600" b="1" dirty="0" err="1">
                 <a:solidFill>
                   <a:prstClr val="black"/>
                 </a:solidFill>
@@ -9758,7 +9376,7 @@
               <a:t>söï</a:t>
             </a:r>
             <a:r>
-              <a:rPr lang="en-US" sz="6600" b="1" dirty="0" smtClean="0">
+              <a:rPr lang="en-US" sz="6600" b="1" dirty="0">
                 <a:solidFill>
                   <a:prstClr val="black"/>
                 </a:solidFill>
@@ -9893,7 +9511,7 @@
               <a:defRPr/>
             </a:pPr>
             <a:r>
-              <a:rPr lang="en-US" sz="3000" b="1" spc="50" dirty="0" smtClean="0">
+              <a:rPr lang="en-US" sz="3000" spc="50" dirty="0">
                 <a:ln w="11430"/>
                 <a:gradFill>
                   <a:gsLst>
@@ -9918,12 +9536,12 @@
                     </a:srgbClr>
                   </a:outerShdw>
                 </a:effectLst>
-                <a:latin typeface="HP-Friz-Heavy" pitchFamily="34" charset="0"/>
+                <a:latin typeface="VNI-Times Normal" pitchFamily="2" charset="0"/>
               </a:rPr>
               <a:t>BIEÄT THAÙNH CA – </a:t>
             </a:r>
             <a:r>
-              <a:rPr lang="en-US" sz="3600" b="1" spc="50" dirty="0" smtClean="0">
+              <a:rPr lang="en-US" sz="3600" spc="50" dirty="0">
                 <a:ln w="11430"/>
                 <a:gradFill>
                   <a:gsLst>
@@ -9948,7 +9566,7 @@
                     </a:srgbClr>
                   </a:outerShdw>
                 </a:effectLst>
-                <a:latin typeface="HP-Friz-Heavy" pitchFamily="34" charset="0"/>
+                <a:latin typeface="VNI-Times Normal" pitchFamily="2" charset="0"/>
               </a:rPr>
               <a:t>LÖÛA PHUÏC HÖNG</a:t>
             </a:r>
@@ -9996,13 +9614,6 @@
     <a:masterClrMapping/>
   </p:clrMapOvr>
   <p:transition spd="slow"/>
-  <p:timing>
-    <p:tnLst>
-      <p:par>
-        <p:cTn id="1" dur="indefinite" restart="never" nodeType="tmRoot"/>
-      </p:par>
-    </p:tnLst>
-  </p:timing>
 </p:sld>
 </file>
 
